--- a/presentation/Version Control and me.pptx
+++ b/presentation/Version Control and me.pptx
@@ -4,6 +4,9 @@
   <p:sldMasterIdLst>
     <p:sldMasterId id="2147483673" r:id="rId4"/>
   </p:sldMasterIdLst>
+  <p:notesMasterIdLst>
+    <p:notesMasterId r:id="rId19"/>
+  </p:notesMasterIdLst>
   <p:sldIdLst>
     <p:sldId id="257" r:id="rId5"/>
     <p:sldId id="262" r:id="rId6"/>
@@ -12,11 +15,13 @@
     <p:sldId id="266" r:id="rId9"/>
     <p:sldId id="272" r:id="rId10"/>
     <p:sldId id="265" r:id="rId11"/>
-    <p:sldId id="271" r:id="rId12"/>
-    <p:sldId id="268" r:id="rId13"/>
-    <p:sldId id="273" r:id="rId14"/>
-    <p:sldId id="269" r:id="rId15"/>
-    <p:sldId id="274" r:id="rId16"/>
+    <p:sldId id="275" r:id="rId12"/>
+    <p:sldId id="271" r:id="rId13"/>
+    <p:sldId id="268" r:id="rId14"/>
+    <p:sldId id="273" r:id="rId15"/>
+    <p:sldId id="269" r:id="rId16"/>
+    <p:sldId id="274" r:id="rId17"/>
+    <p:sldId id="276" r:id="rId18"/>
   </p:sldIdLst>
   <p:sldSz cx="12192000" cy="6858000"/>
   <p:notesSz cx="6858000" cy="9144000"/>
@@ -125,7 +130,7 @@
 
 <file path=ppt/commentAuthors.xml><?xml version="1.0" encoding="utf-8"?>
 <p:cmAuthorLst xmlns:a="http://schemas.openxmlformats.org/drawingml/2006/main" xmlns:r="http://schemas.openxmlformats.org/officeDocument/2006/relationships" xmlns:p="http://schemas.openxmlformats.org/presentationml/2006/main">
-  <p:cmAuthor id="1" name="Christopher Burch" initials="CB" lastIdx="1" clrIdx="0">
+  <p:cmAuthor id="1" name="Christopher Burch" initials="CB" lastIdx="2" clrIdx="0">
     <p:extLst>
       <p:ext uri="{19B8F6BF-5375-455C-9EA6-DF929625EA0E}">
         <p15:presenceInfo xmlns:p15="http://schemas.microsoft.com/office/powerpoint/2012/main" userId="e580fc26a0a46f33" providerId="Windows Live"/>
@@ -147,6 +152,355 @@
     </p:extLst>
   </p:cm>
 </p:cmLst>
+</file>
+
+<file path=ppt/notesMasters/notesMaster1.xml><?xml version="1.0" encoding="utf-8"?>
+<p:notesMaster xmlns:a="http://schemas.openxmlformats.org/drawingml/2006/main" xmlns:r="http://schemas.openxmlformats.org/officeDocument/2006/relationships" xmlns:p="http://schemas.openxmlformats.org/presentationml/2006/main">
+  <p:cSld>
+    <p:bg>
+      <p:bgRef idx="1001">
+        <a:schemeClr val="bg1"/>
+      </p:bgRef>
+    </p:bg>
+    <p:spTree>
+      <p:nvGrpSpPr>
+        <p:cNvPr id="1" name=""/>
+        <p:cNvGrpSpPr/>
+        <p:nvPr/>
+      </p:nvGrpSpPr>
+      <p:grpSpPr>
+        <a:xfrm>
+          <a:off x="0" y="0"/>
+          <a:ext cx="0" cy="0"/>
+          <a:chOff x="0" y="0"/>
+          <a:chExt cx="0" cy="0"/>
+        </a:xfrm>
+      </p:grpSpPr>
+      <p:sp>
+        <p:nvSpPr>
+          <p:cNvPr id="2" name="Header Placeholder 1"/>
+          <p:cNvSpPr>
+            <a:spLocks noGrp="1"/>
+          </p:cNvSpPr>
+          <p:nvPr>
+            <p:ph type="hdr" sz="quarter"/>
+          </p:nvPr>
+        </p:nvSpPr>
+        <p:spPr>
+          <a:xfrm>
+            <a:off x="0" y="0"/>
+            <a:ext cx="2971800" cy="458788"/>
+          </a:xfrm>
+          <a:prstGeom prst="rect">
+            <a:avLst/>
+          </a:prstGeom>
+        </p:spPr>
+        <p:txBody>
+          <a:bodyPr vert="horz" lIns="91440" tIns="45720" rIns="91440" bIns="45720" rtlCol="0"/>
+          <a:lstStyle>
+            <a:lvl1pPr algn="l">
+              <a:defRPr sz="1200"/>
+            </a:lvl1pPr>
+          </a:lstStyle>
+          <a:p>
+            <a:endParaRPr lang="en-US"/>
+          </a:p>
+        </p:txBody>
+      </p:sp>
+      <p:sp>
+        <p:nvSpPr>
+          <p:cNvPr id="3" name="Date Placeholder 2"/>
+          <p:cNvSpPr>
+            <a:spLocks noGrp="1"/>
+          </p:cNvSpPr>
+          <p:nvPr>
+            <p:ph type="dt" idx="1"/>
+          </p:nvPr>
+        </p:nvSpPr>
+        <p:spPr>
+          <a:xfrm>
+            <a:off x="3884613" y="0"/>
+            <a:ext cx="2971800" cy="458788"/>
+          </a:xfrm>
+          <a:prstGeom prst="rect">
+            <a:avLst/>
+          </a:prstGeom>
+        </p:spPr>
+        <p:txBody>
+          <a:bodyPr vert="horz" lIns="91440" tIns="45720" rIns="91440" bIns="45720" rtlCol="0"/>
+          <a:lstStyle>
+            <a:lvl1pPr algn="r">
+              <a:defRPr sz="1200"/>
+            </a:lvl1pPr>
+          </a:lstStyle>
+          <a:p>
+            <a:fld id="{7FAE670A-2E07-494E-B177-191D9F556291}" type="datetimeFigureOut">
+              <a:rPr lang="en-US" smtClean="0"/>
+              <a:t>5/20/2021</a:t>
+            </a:fld>
+            <a:endParaRPr lang="en-US"/>
+          </a:p>
+        </p:txBody>
+      </p:sp>
+      <p:sp>
+        <p:nvSpPr>
+          <p:cNvPr id="4" name="Slide Image Placeholder 3"/>
+          <p:cNvSpPr>
+            <a:spLocks noGrp="1" noRot="1" noChangeAspect="1"/>
+          </p:cNvSpPr>
+          <p:nvPr>
+            <p:ph type="sldImg" idx="2"/>
+          </p:nvPr>
+        </p:nvSpPr>
+        <p:spPr>
+          <a:xfrm>
+            <a:off x="685800" y="1143000"/>
+            <a:ext cx="5486400" cy="3086100"/>
+          </a:xfrm>
+          <a:prstGeom prst="rect">
+            <a:avLst/>
+          </a:prstGeom>
+          <a:noFill/>
+          <a:ln w="12700">
+            <a:solidFill>
+              <a:prstClr val="black"/>
+            </a:solidFill>
+          </a:ln>
+        </p:spPr>
+        <p:txBody>
+          <a:bodyPr vert="horz" lIns="91440" tIns="45720" rIns="91440" bIns="45720" rtlCol="0" anchor="ctr"/>
+          <a:lstStyle/>
+          <a:p>
+            <a:endParaRPr lang="en-US"/>
+          </a:p>
+        </p:txBody>
+      </p:sp>
+      <p:sp>
+        <p:nvSpPr>
+          <p:cNvPr id="5" name="Notes Placeholder 4"/>
+          <p:cNvSpPr>
+            <a:spLocks noGrp="1"/>
+          </p:cNvSpPr>
+          <p:nvPr>
+            <p:ph type="body" sz="quarter" idx="3"/>
+          </p:nvPr>
+        </p:nvSpPr>
+        <p:spPr>
+          <a:xfrm>
+            <a:off x="685800" y="4400550"/>
+            <a:ext cx="5486400" cy="3600450"/>
+          </a:xfrm>
+          <a:prstGeom prst="rect">
+            <a:avLst/>
+          </a:prstGeom>
+        </p:spPr>
+        <p:txBody>
+          <a:bodyPr vert="horz" lIns="91440" tIns="45720" rIns="91440" bIns="45720" rtlCol="0"/>
+          <a:lstStyle/>
+          <a:p>
+            <a:pPr lvl="0"/>
+            <a:r>
+              <a:rPr lang="en-US"/>
+              <a:t>Click to edit Master text styles</a:t>
+            </a:r>
+          </a:p>
+          <a:p>
+            <a:pPr lvl="1"/>
+            <a:r>
+              <a:rPr lang="en-US"/>
+              <a:t>Second level</a:t>
+            </a:r>
+          </a:p>
+          <a:p>
+            <a:pPr lvl="2"/>
+            <a:r>
+              <a:rPr lang="en-US"/>
+              <a:t>Third level</a:t>
+            </a:r>
+          </a:p>
+          <a:p>
+            <a:pPr lvl="3"/>
+            <a:r>
+              <a:rPr lang="en-US"/>
+              <a:t>Fourth level</a:t>
+            </a:r>
+          </a:p>
+          <a:p>
+            <a:pPr lvl="4"/>
+            <a:r>
+              <a:rPr lang="en-US"/>
+              <a:t>Fifth level</a:t>
+            </a:r>
+          </a:p>
+        </p:txBody>
+      </p:sp>
+      <p:sp>
+        <p:nvSpPr>
+          <p:cNvPr id="6" name="Footer Placeholder 5"/>
+          <p:cNvSpPr>
+            <a:spLocks noGrp="1"/>
+          </p:cNvSpPr>
+          <p:nvPr>
+            <p:ph type="ftr" sz="quarter" idx="4"/>
+          </p:nvPr>
+        </p:nvSpPr>
+        <p:spPr>
+          <a:xfrm>
+            <a:off x="0" y="8685213"/>
+            <a:ext cx="2971800" cy="458787"/>
+          </a:xfrm>
+          <a:prstGeom prst="rect">
+            <a:avLst/>
+          </a:prstGeom>
+        </p:spPr>
+        <p:txBody>
+          <a:bodyPr vert="horz" lIns="91440" tIns="45720" rIns="91440" bIns="45720" rtlCol="0" anchor="b"/>
+          <a:lstStyle>
+            <a:lvl1pPr algn="l">
+              <a:defRPr sz="1200"/>
+            </a:lvl1pPr>
+          </a:lstStyle>
+          <a:p>
+            <a:endParaRPr lang="en-US"/>
+          </a:p>
+        </p:txBody>
+      </p:sp>
+      <p:sp>
+        <p:nvSpPr>
+          <p:cNvPr id="7" name="Slide Number Placeholder 6"/>
+          <p:cNvSpPr>
+            <a:spLocks noGrp="1"/>
+          </p:cNvSpPr>
+          <p:nvPr>
+            <p:ph type="sldNum" sz="quarter" idx="5"/>
+          </p:nvPr>
+        </p:nvSpPr>
+        <p:spPr>
+          <a:xfrm>
+            <a:off x="3884613" y="8685213"/>
+            <a:ext cx="2971800" cy="458787"/>
+          </a:xfrm>
+          <a:prstGeom prst="rect">
+            <a:avLst/>
+          </a:prstGeom>
+        </p:spPr>
+        <p:txBody>
+          <a:bodyPr vert="horz" lIns="91440" tIns="45720" rIns="91440" bIns="45720" rtlCol="0" anchor="b"/>
+          <a:lstStyle>
+            <a:lvl1pPr algn="r">
+              <a:defRPr sz="1200"/>
+            </a:lvl1pPr>
+          </a:lstStyle>
+          <a:p>
+            <a:fld id="{5ADE581C-2376-4E30-AFDD-CA9EA06D6BD4}" type="slidenum">
+              <a:rPr lang="en-US" smtClean="0"/>
+              <a:t>‹#›</a:t>
+            </a:fld>
+            <a:endParaRPr lang="en-US"/>
+          </a:p>
+        </p:txBody>
+      </p:sp>
+    </p:spTree>
+    <p:extLst>
+      <p:ext uri="{BB962C8B-B14F-4D97-AF65-F5344CB8AC3E}">
+        <p14:creationId xmlns:p14="http://schemas.microsoft.com/office/powerpoint/2010/main" val="3382477172"/>
+      </p:ext>
+    </p:extLst>
+  </p:cSld>
+  <p:clrMap bg1="lt1" tx1="dk1" bg2="lt2" tx2="dk2" accent1="accent1" accent2="accent2" accent3="accent3" accent4="accent4" accent5="accent5" accent6="accent6" hlink="hlink" folHlink="folHlink"/>
+  <p:notesStyle>
+    <a:lvl1pPr marL="0" algn="l" defTabSz="914400" rtl="0" eaLnBrk="1" latinLnBrk="0" hangingPunct="1">
+      <a:defRPr sz="1200" kern="1200">
+        <a:solidFill>
+          <a:schemeClr val="tx1"/>
+        </a:solidFill>
+        <a:latin typeface="+mn-lt"/>
+        <a:ea typeface="+mn-ea"/>
+        <a:cs typeface="+mn-cs"/>
+      </a:defRPr>
+    </a:lvl1pPr>
+    <a:lvl2pPr marL="457200" algn="l" defTabSz="914400" rtl="0" eaLnBrk="1" latinLnBrk="0" hangingPunct="1">
+      <a:defRPr sz="1200" kern="1200">
+        <a:solidFill>
+          <a:schemeClr val="tx1"/>
+        </a:solidFill>
+        <a:latin typeface="+mn-lt"/>
+        <a:ea typeface="+mn-ea"/>
+        <a:cs typeface="+mn-cs"/>
+      </a:defRPr>
+    </a:lvl2pPr>
+    <a:lvl3pPr marL="914400" algn="l" defTabSz="914400" rtl="0" eaLnBrk="1" latinLnBrk="0" hangingPunct="1">
+      <a:defRPr sz="1200" kern="1200">
+        <a:solidFill>
+          <a:schemeClr val="tx1"/>
+        </a:solidFill>
+        <a:latin typeface="+mn-lt"/>
+        <a:ea typeface="+mn-ea"/>
+        <a:cs typeface="+mn-cs"/>
+      </a:defRPr>
+    </a:lvl3pPr>
+    <a:lvl4pPr marL="1371600" algn="l" defTabSz="914400" rtl="0" eaLnBrk="1" latinLnBrk="0" hangingPunct="1">
+      <a:defRPr sz="1200" kern="1200">
+        <a:solidFill>
+          <a:schemeClr val="tx1"/>
+        </a:solidFill>
+        <a:latin typeface="+mn-lt"/>
+        <a:ea typeface="+mn-ea"/>
+        <a:cs typeface="+mn-cs"/>
+      </a:defRPr>
+    </a:lvl4pPr>
+    <a:lvl5pPr marL="1828800" algn="l" defTabSz="914400" rtl="0" eaLnBrk="1" latinLnBrk="0" hangingPunct="1">
+      <a:defRPr sz="1200" kern="1200">
+        <a:solidFill>
+          <a:schemeClr val="tx1"/>
+        </a:solidFill>
+        <a:latin typeface="+mn-lt"/>
+        <a:ea typeface="+mn-ea"/>
+        <a:cs typeface="+mn-cs"/>
+      </a:defRPr>
+    </a:lvl5pPr>
+    <a:lvl6pPr marL="2286000" algn="l" defTabSz="914400" rtl="0" eaLnBrk="1" latinLnBrk="0" hangingPunct="1">
+      <a:defRPr sz="1200" kern="1200">
+        <a:solidFill>
+          <a:schemeClr val="tx1"/>
+        </a:solidFill>
+        <a:latin typeface="+mn-lt"/>
+        <a:ea typeface="+mn-ea"/>
+        <a:cs typeface="+mn-cs"/>
+      </a:defRPr>
+    </a:lvl6pPr>
+    <a:lvl7pPr marL="2743200" algn="l" defTabSz="914400" rtl="0" eaLnBrk="1" latinLnBrk="0" hangingPunct="1">
+      <a:defRPr sz="1200" kern="1200">
+        <a:solidFill>
+          <a:schemeClr val="tx1"/>
+        </a:solidFill>
+        <a:latin typeface="+mn-lt"/>
+        <a:ea typeface="+mn-ea"/>
+        <a:cs typeface="+mn-cs"/>
+      </a:defRPr>
+    </a:lvl7pPr>
+    <a:lvl8pPr marL="3200400" algn="l" defTabSz="914400" rtl="0" eaLnBrk="1" latinLnBrk="0" hangingPunct="1">
+      <a:defRPr sz="1200" kern="1200">
+        <a:solidFill>
+          <a:schemeClr val="tx1"/>
+        </a:solidFill>
+        <a:latin typeface="+mn-lt"/>
+        <a:ea typeface="+mn-ea"/>
+        <a:cs typeface="+mn-cs"/>
+      </a:defRPr>
+    </a:lvl8pPr>
+    <a:lvl9pPr marL="3657600" algn="l" defTabSz="914400" rtl="0" eaLnBrk="1" latinLnBrk="0" hangingPunct="1">
+      <a:defRPr sz="1200" kern="1200">
+        <a:solidFill>
+          <a:schemeClr val="tx1"/>
+        </a:solidFill>
+        <a:latin typeface="+mn-lt"/>
+        <a:ea typeface="+mn-ea"/>
+        <a:cs typeface="+mn-cs"/>
+      </a:defRPr>
+    </a:lvl9pPr>
+  </p:notesStyle>
+</p:notesMaster>
 </file>
 
 <file path=ppt/slideLayouts/slideLayout1.xml><?xml version="1.0" encoding="utf-8"?>
@@ -4348,6 +4702,544 @@
           <a:p>
             <a:r>
               <a:rPr lang="en-US" dirty="0"/>
+              <a:t>GitHub</a:t>
+            </a:r>
+          </a:p>
+        </p:txBody>
+      </p:sp>
+      <p:sp>
+        <p:nvSpPr>
+          <p:cNvPr id="3" name="Content Placeholder 2">
+            <a:extLst>
+              <a:ext uri="{FF2B5EF4-FFF2-40B4-BE49-F238E27FC236}">
+                <a16:creationId xmlns:a16="http://schemas.microsoft.com/office/drawing/2014/main" id="{84976918-533A-469D-9590-65AE64915ED1}"/>
+              </a:ext>
+            </a:extLst>
+          </p:cNvPr>
+          <p:cNvSpPr>
+            <a:spLocks noGrp="1"/>
+          </p:cNvSpPr>
+          <p:nvPr>
+            <p:ph idx="1"/>
+          </p:nvPr>
+        </p:nvSpPr>
+        <p:spPr/>
+        <p:txBody>
+          <a:bodyPr/>
+          <a:lstStyle/>
+          <a:p>
+            <a:r>
+              <a:rPr lang="en-US" dirty="0"/>
+              <a:t>Cloud-based implementation of Git</a:t>
+            </a:r>
+          </a:p>
+          <a:p>
+            <a:pPr lvl="1"/>
+            <a:r>
+              <a:rPr lang="en-US" dirty="0"/>
+              <a:t>Private company</a:t>
+            </a:r>
+          </a:p>
+          <a:p>
+            <a:pPr lvl="1"/>
+            <a:r>
+              <a:rPr lang="en-US" dirty="0"/>
+              <a:t>Hosts a git-based version control cloud on their own servers</a:t>
+            </a:r>
+          </a:p>
+          <a:p>
+            <a:pPr lvl="1"/>
+            <a:r>
+              <a:rPr lang="en-US" dirty="0"/>
+              <a:t>Or deploys to a client server for a private GitHub instance</a:t>
+            </a:r>
+          </a:p>
+          <a:p>
+            <a:r>
+              <a:rPr lang="en-US" dirty="0"/>
+              <a:t>Currently the Version Control System of choice for the US Government and major companies</a:t>
+            </a:r>
+          </a:p>
+          <a:p>
+            <a:pPr lvl="1"/>
+            <a:r>
+              <a:rPr lang="en-US" dirty="0"/>
+              <a:t>The World Bank: </a:t>
+            </a:r>
+            <a:r>
+              <a:rPr lang="en-US" dirty="0">
+                <a:hlinkClick r:id="rId2"/>
+              </a:rPr>
+              <a:t>https://github.com/worldbank</a:t>
+            </a:r>
+            <a:endParaRPr lang="en-US" dirty="0"/>
+          </a:p>
+          <a:p>
+            <a:pPr lvl="1"/>
+            <a:r>
+              <a:rPr lang="en-US" dirty="0"/>
+              <a:t>Microsoft: </a:t>
+            </a:r>
+            <a:r>
+              <a:rPr lang="en-US" dirty="0">
+                <a:hlinkClick r:id="rId3"/>
+              </a:rPr>
+              <a:t>https://github.com/microsoft/</a:t>
+            </a:r>
+            <a:endParaRPr lang="en-US" dirty="0"/>
+          </a:p>
+          <a:p>
+            <a:pPr lvl="1"/>
+            <a:r>
+              <a:rPr lang="en-US" dirty="0"/>
+              <a:t>Google: </a:t>
+            </a:r>
+            <a:r>
+              <a:rPr lang="en-US" dirty="0">
+                <a:hlinkClick r:id="rId4"/>
+              </a:rPr>
+              <a:t>https://github.com/google/</a:t>
+            </a:r>
+            <a:endParaRPr lang="en-US" dirty="0"/>
+          </a:p>
+          <a:p>
+            <a:pPr lvl="1"/>
+            <a:r>
+              <a:rPr lang="en-US" dirty="0"/>
+              <a:t>NASA: </a:t>
+            </a:r>
+            <a:r>
+              <a:rPr lang="en-US" dirty="0">
+                <a:hlinkClick r:id="rId5"/>
+              </a:rPr>
+              <a:t>https://github.com/NASA</a:t>
+            </a:r>
+            <a:endParaRPr lang="en-US" dirty="0"/>
+          </a:p>
+          <a:p>
+            <a:pPr lvl="1"/>
+            <a:r>
+              <a:rPr lang="en-US" dirty="0"/>
+              <a:t>FAA: </a:t>
+            </a:r>
+            <a:r>
+              <a:rPr lang="en-US" dirty="0">
+                <a:hlinkClick r:id="rId6"/>
+              </a:rPr>
+              <a:t>https://github.com/Federal-Aviation-Administration</a:t>
+            </a:r>
+            <a:endParaRPr lang="en-US" dirty="0"/>
+          </a:p>
+          <a:p>
+            <a:r>
+              <a:rPr lang="en-US" dirty="0"/>
+              <a:t>Safe, secure, and trusted by Fortune 100 companies and the US Government</a:t>
+            </a:r>
+          </a:p>
+          <a:p>
+            <a:r>
+              <a:rPr lang="en-US" dirty="0"/>
+              <a:t>Can use command-line, GUI, or web-based tools</a:t>
+            </a:r>
+          </a:p>
+        </p:txBody>
+      </p:sp>
+      <p:pic>
+        <p:nvPicPr>
+          <p:cNvPr id="5" name="Picture 4">
+            <a:extLst>
+              <a:ext uri="{FF2B5EF4-FFF2-40B4-BE49-F238E27FC236}">
+                <a16:creationId xmlns:a16="http://schemas.microsoft.com/office/drawing/2014/main" id="{3FAC9725-169D-4932-8979-A09B48075709}"/>
+              </a:ext>
+            </a:extLst>
+          </p:cNvPr>
+          <p:cNvPicPr>
+            <a:picLocks noChangeAspect="1"/>
+          </p:cNvPicPr>
+          <p:nvPr/>
+        </p:nvPicPr>
+        <p:blipFill>
+          <a:blip r:embed="rId7"/>
+          <a:srcRect/>
+          <a:stretch/>
+        </p:blipFill>
+        <p:spPr>
+          <a:xfrm>
+            <a:off x="8189307" y="642594"/>
+            <a:ext cx="2443215" cy="2380952"/>
+          </a:xfrm>
+          <a:prstGeom prst="rect">
+            <a:avLst/>
+          </a:prstGeom>
+        </p:spPr>
+      </p:pic>
+    </p:spTree>
+    <p:extLst>
+      <p:ext uri="{BB962C8B-B14F-4D97-AF65-F5344CB8AC3E}">
+        <p14:creationId xmlns:p14="http://schemas.microsoft.com/office/powerpoint/2010/main" val="1638660473"/>
+      </p:ext>
+    </p:extLst>
+  </p:cSld>
+  <p:clrMapOvr>
+    <a:masterClrMapping/>
+  </p:clrMapOvr>
+  <p:timing>
+    <p:tnLst>
+      <p:par>
+        <p:cTn id="1" dur="indefinite" restart="never" nodeType="tmRoot">
+          <p:childTnLst>
+            <p:seq concurrent="1" nextAc="seek">
+              <p:cTn id="2" dur="indefinite" nodeType="mainSeq">
+                <p:childTnLst>
+                  <p:par>
+                    <p:cTn id="3" fill="hold">
+                      <p:stCondLst>
+                        <p:cond delay="indefinite"/>
+                      </p:stCondLst>
+                      <p:childTnLst>
+                        <p:par>
+                          <p:cTn id="4" fill="hold">
+                            <p:stCondLst>
+                              <p:cond delay="0"/>
+                            </p:stCondLst>
+                            <p:childTnLst>
+                              <p:par>
+                                <p:cTn id="5" presetID="1" presetClass="entr" presetSubtype="0" fill="hold" nodeType="clickEffect">
+                                  <p:stCondLst>
+                                    <p:cond delay="0"/>
+                                  </p:stCondLst>
+                                  <p:childTnLst>
+                                    <p:set>
+                                      <p:cBhvr>
+                                        <p:cTn id="6" dur="1" fill="hold">
+                                          <p:stCondLst>
+                                            <p:cond delay="0"/>
+                                          </p:stCondLst>
+                                        </p:cTn>
+                                        <p:tgtEl>
+                                          <p:spTgt spid="3">
+                                            <p:txEl>
+                                              <p:pRg st="4" end="4"/>
+                                            </p:txEl>
+                                          </p:spTgt>
+                                        </p:tgtEl>
+                                        <p:attrNameLst>
+                                          <p:attrName>style.visibility</p:attrName>
+                                        </p:attrNameLst>
+                                      </p:cBhvr>
+                                      <p:to>
+                                        <p:strVal val="visible"/>
+                                      </p:to>
+                                    </p:set>
+                                  </p:childTnLst>
+                                </p:cTn>
+                              </p:par>
+                              <p:par>
+                                <p:cTn id="7" presetID="1" presetClass="entr" presetSubtype="0" fill="hold" nodeType="withEffect">
+                                  <p:stCondLst>
+                                    <p:cond delay="0"/>
+                                  </p:stCondLst>
+                                  <p:childTnLst>
+                                    <p:set>
+                                      <p:cBhvr>
+                                        <p:cTn id="8" dur="1" fill="hold">
+                                          <p:stCondLst>
+                                            <p:cond delay="0"/>
+                                          </p:stCondLst>
+                                        </p:cTn>
+                                        <p:tgtEl>
+                                          <p:spTgt spid="3">
+                                            <p:txEl>
+                                              <p:pRg st="5" end="5"/>
+                                            </p:txEl>
+                                          </p:spTgt>
+                                        </p:tgtEl>
+                                        <p:attrNameLst>
+                                          <p:attrName>style.visibility</p:attrName>
+                                        </p:attrNameLst>
+                                      </p:cBhvr>
+                                      <p:to>
+                                        <p:strVal val="visible"/>
+                                      </p:to>
+                                    </p:set>
+                                  </p:childTnLst>
+                                </p:cTn>
+                              </p:par>
+                              <p:par>
+                                <p:cTn id="9" presetID="1" presetClass="entr" presetSubtype="0" fill="hold" nodeType="withEffect">
+                                  <p:stCondLst>
+                                    <p:cond delay="0"/>
+                                  </p:stCondLst>
+                                  <p:childTnLst>
+                                    <p:set>
+                                      <p:cBhvr>
+                                        <p:cTn id="10" dur="1" fill="hold">
+                                          <p:stCondLst>
+                                            <p:cond delay="0"/>
+                                          </p:stCondLst>
+                                        </p:cTn>
+                                        <p:tgtEl>
+                                          <p:spTgt spid="3">
+                                            <p:txEl>
+                                              <p:pRg st="6" end="6"/>
+                                            </p:txEl>
+                                          </p:spTgt>
+                                        </p:tgtEl>
+                                        <p:attrNameLst>
+                                          <p:attrName>style.visibility</p:attrName>
+                                        </p:attrNameLst>
+                                      </p:cBhvr>
+                                      <p:to>
+                                        <p:strVal val="visible"/>
+                                      </p:to>
+                                    </p:set>
+                                  </p:childTnLst>
+                                </p:cTn>
+                              </p:par>
+                              <p:par>
+                                <p:cTn id="11" presetID="1" presetClass="entr" presetSubtype="0" fill="hold" nodeType="withEffect">
+                                  <p:stCondLst>
+                                    <p:cond delay="0"/>
+                                  </p:stCondLst>
+                                  <p:childTnLst>
+                                    <p:set>
+                                      <p:cBhvr>
+                                        <p:cTn id="12" dur="1" fill="hold">
+                                          <p:stCondLst>
+                                            <p:cond delay="0"/>
+                                          </p:stCondLst>
+                                        </p:cTn>
+                                        <p:tgtEl>
+                                          <p:spTgt spid="3">
+                                            <p:txEl>
+                                              <p:pRg st="7" end="7"/>
+                                            </p:txEl>
+                                          </p:spTgt>
+                                        </p:tgtEl>
+                                        <p:attrNameLst>
+                                          <p:attrName>style.visibility</p:attrName>
+                                        </p:attrNameLst>
+                                      </p:cBhvr>
+                                      <p:to>
+                                        <p:strVal val="visible"/>
+                                      </p:to>
+                                    </p:set>
+                                  </p:childTnLst>
+                                </p:cTn>
+                              </p:par>
+                              <p:par>
+                                <p:cTn id="13" presetID="1" presetClass="entr" presetSubtype="0" fill="hold" nodeType="withEffect">
+                                  <p:stCondLst>
+                                    <p:cond delay="0"/>
+                                  </p:stCondLst>
+                                  <p:childTnLst>
+                                    <p:set>
+                                      <p:cBhvr>
+                                        <p:cTn id="14" dur="1" fill="hold">
+                                          <p:stCondLst>
+                                            <p:cond delay="0"/>
+                                          </p:stCondLst>
+                                        </p:cTn>
+                                        <p:tgtEl>
+                                          <p:spTgt spid="3">
+                                            <p:txEl>
+                                              <p:pRg st="8" end="8"/>
+                                            </p:txEl>
+                                          </p:spTgt>
+                                        </p:tgtEl>
+                                        <p:attrNameLst>
+                                          <p:attrName>style.visibility</p:attrName>
+                                        </p:attrNameLst>
+                                      </p:cBhvr>
+                                      <p:to>
+                                        <p:strVal val="visible"/>
+                                      </p:to>
+                                    </p:set>
+                                  </p:childTnLst>
+                                </p:cTn>
+                              </p:par>
+                              <p:par>
+                                <p:cTn id="15" presetID="1" presetClass="entr" presetSubtype="0" fill="hold" nodeType="withEffect">
+                                  <p:stCondLst>
+                                    <p:cond delay="0"/>
+                                  </p:stCondLst>
+                                  <p:childTnLst>
+                                    <p:set>
+                                      <p:cBhvr>
+                                        <p:cTn id="16" dur="1" fill="hold">
+                                          <p:stCondLst>
+                                            <p:cond delay="0"/>
+                                          </p:stCondLst>
+                                        </p:cTn>
+                                        <p:tgtEl>
+                                          <p:spTgt spid="3">
+                                            <p:txEl>
+                                              <p:pRg st="9" end="9"/>
+                                            </p:txEl>
+                                          </p:spTgt>
+                                        </p:tgtEl>
+                                        <p:attrNameLst>
+                                          <p:attrName>style.visibility</p:attrName>
+                                        </p:attrNameLst>
+                                      </p:cBhvr>
+                                      <p:to>
+                                        <p:strVal val="visible"/>
+                                      </p:to>
+                                    </p:set>
+                                  </p:childTnLst>
+                                </p:cTn>
+                              </p:par>
+                            </p:childTnLst>
+                          </p:cTn>
+                        </p:par>
+                      </p:childTnLst>
+                    </p:cTn>
+                  </p:par>
+                  <p:par>
+                    <p:cTn id="17" fill="hold">
+                      <p:stCondLst>
+                        <p:cond delay="indefinite"/>
+                      </p:stCondLst>
+                      <p:childTnLst>
+                        <p:par>
+                          <p:cTn id="18" fill="hold">
+                            <p:stCondLst>
+                              <p:cond delay="0"/>
+                            </p:stCondLst>
+                            <p:childTnLst>
+                              <p:par>
+                                <p:cTn id="19" presetID="1" presetClass="entr" presetSubtype="0" fill="hold" nodeType="clickEffect">
+                                  <p:stCondLst>
+                                    <p:cond delay="0"/>
+                                  </p:stCondLst>
+                                  <p:childTnLst>
+                                    <p:set>
+                                      <p:cBhvr>
+                                        <p:cTn id="20" dur="1" fill="hold">
+                                          <p:stCondLst>
+                                            <p:cond delay="0"/>
+                                          </p:stCondLst>
+                                        </p:cTn>
+                                        <p:tgtEl>
+                                          <p:spTgt spid="3">
+                                            <p:txEl>
+                                              <p:pRg st="10" end="10"/>
+                                            </p:txEl>
+                                          </p:spTgt>
+                                        </p:tgtEl>
+                                        <p:attrNameLst>
+                                          <p:attrName>style.visibility</p:attrName>
+                                        </p:attrNameLst>
+                                      </p:cBhvr>
+                                      <p:to>
+                                        <p:strVal val="visible"/>
+                                      </p:to>
+                                    </p:set>
+                                  </p:childTnLst>
+                                </p:cTn>
+                              </p:par>
+                              <p:par>
+                                <p:cTn id="21" presetID="1" presetClass="entr" presetSubtype="0" fill="hold" nodeType="withEffect">
+                                  <p:stCondLst>
+                                    <p:cond delay="0"/>
+                                  </p:stCondLst>
+                                  <p:childTnLst>
+                                    <p:set>
+                                      <p:cBhvr>
+                                        <p:cTn id="22" dur="1" fill="hold">
+                                          <p:stCondLst>
+                                            <p:cond delay="0"/>
+                                          </p:stCondLst>
+                                        </p:cTn>
+                                        <p:tgtEl>
+                                          <p:spTgt spid="3">
+                                            <p:txEl>
+                                              <p:pRg st="11" end="11"/>
+                                            </p:txEl>
+                                          </p:spTgt>
+                                        </p:tgtEl>
+                                        <p:attrNameLst>
+                                          <p:attrName>style.visibility</p:attrName>
+                                        </p:attrNameLst>
+                                      </p:cBhvr>
+                                      <p:to>
+                                        <p:strVal val="visible"/>
+                                      </p:to>
+                                    </p:set>
+                                  </p:childTnLst>
+                                </p:cTn>
+                              </p:par>
+                            </p:childTnLst>
+                          </p:cTn>
+                        </p:par>
+                      </p:childTnLst>
+                    </p:cTn>
+                  </p:par>
+                </p:childTnLst>
+              </p:cTn>
+              <p:prevCondLst>
+                <p:cond evt="onPrev" delay="0">
+                  <p:tgtEl>
+                    <p:sldTgt/>
+                  </p:tgtEl>
+                </p:cond>
+              </p:prevCondLst>
+              <p:nextCondLst>
+                <p:cond evt="onNext" delay="0">
+                  <p:tgtEl>
+                    <p:sldTgt/>
+                  </p:tgtEl>
+                </p:cond>
+              </p:nextCondLst>
+            </p:seq>
+          </p:childTnLst>
+        </p:cTn>
+      </p:par>
+    </p:tnLst>
+  </p:timing>
+</p:sld>
+</file>
+
+<file path=ppt/slides/slide11.xml><?xml version="1.0" encoding="utf-8"?>
+<p:sld xmlns:a="http://schemas.openxmlformats.org/drawingml/2006/main" xmlns:r="http://schemas.openxmlformats.org/officeDocument/2006/relationships" xmlns:p="http://schemas.openxmlformats.org/presentationml/2006/main">
+  <p:cSld>
+    <p:spTree>
+      <p:nvGrpSpPr>
+        <p:cNvPr id="1" name=""/>
+        <p:cNvGrpSpPr/>
+        <p:nvPr/>
+      </p:nvGrpSpPr>
+      <p:grpSpPr>
+        <a:xfrm>
+          <a:off x="0" y="0"/>
+          <a:ext cx="0" cy="0"/>
+          <a:chOff x="0" y="0"/>
+          <a:chExt cx="0" cy="0"/>
+        </a:xfrm>
+      </p:grpSpPr>
+      <p:sp>
+        <p:nvSpPr>
+          <p:cNvPr id="2" name="Title 1">
+            <a:extLst>
+              <a:ext uri="{FF2B5EF4-FFF2-40B4-BE49-F238E27FC236}">
+                <a16:creationId xmlns:a16="http://schemas.microsoft.com/office/drawing/2014/main" id="{10493CAA-01DB-46E1-9DAE-4D398672CE89}"/>
+              </a:ext>
+            </a:extLst>
+          </p:cNvPr>
+          <p:cNvSpPr>
+            <a:spLocks noGrp="1"/>
+          </p:cNvSpPr>
+          <p:nvPr>
+            <p:ph type="title"/>
+          </p:nvPr>
+        </p:nvSpPr>
+        <p:spPr/>
+        <p:txBody>
+          <a:bodyPr/>
+          <a:lstStyle/>
+          <a:p>
+            <a:r>
+              <a:rPr lang="en-US" dirty="0"/>
               <a:t>GitHub - example</a:t>
             </a:r>
           </a:p>
@@ -4441,7 +5333,7 @@
 </p:sld>
 </file>
 
-<file path=ppt/slides/slide11.xml><?xml version="1.0" encoding="utf-8"?>
+<file path=ppt/slides/slide12.xml><?xml version="1.0" encoding="utf-8"?>
 <p:sld xmlns:a="http://schemas.openxmlformats.org/drawingml/2006/main" xmlns:r="http://schemas.openxmlformats.org/officeDocument/2006/relationships" xmlns:p="http://schemas.openxmlformats.org/presentationml/2006/main">
   <p:cSld>
     <p:spTree>
@@ -4810,7 +5702,7 @@
 </p:sld>
 </file>
 
-<file path=ppt/slides/slide12.xml><?xml version="1.0" encoding="utf-8"?>
+<file path=ppt/slides/slide13.xml><?xml version="1.0" encoding="utf-8"?>
 <p:sld xmlns:a="http://schemas.openxmlformats.org/drawingml/2006/main" xmlns:r="http://schemas.openxmlformats.org/officeDocument/2006/relationships" xmlns:p="http://schemas.openxmlformats.org/presentationml/2006/main">
   <p:cSld>
     <p:spTree>
@@ -5184,6 +6076,222 @@
       </p:par>
     </p:tnLst>
   </p:timing>
+</p:sld>
+</file>
+
+<file path=ppt/slides/slide14.xml><?xml version="1.0" encoding="utf-8"?>
+<p:sld xmlns:a="http://schemas.openxmlformats.org/drawingml/2006/main" xmlns:r="http://schemas.openxmlformats.org/officeDocument/2006/relationships" xmlns:p="http://schemas.openxmlformats.org/presentationml/2006/main">
+  <p:cSld>
+    <p:spTree>
+      <p:nvGrpSpPr>
+        <p:cNvPr id="1" name=""/>
+        <p:cNvGrpSpPr/>
+        <p:nvPr/>
+      </p:nvGrpSpPr>
+      <p:grpSpPr>
+        <a:xfrm>
+          <a:off x="0" y="0"/>
+          <a:ext cx="0" cy="0"/>
+          <a:chOff x="0" y="0"/>
+          <a:chExt cx="0" cy="0"/>
+        </a:xfrm>
+      </p:grpSpPr>
+      <p:sp>
+        <p:nvSpPr>
+          <p:cNvPr id="5" name="TextBox 4">
+            <a:extLst>
+              <a:ext uri="{FF2B5EF4-FFF2-40B4-BE49-F238E27FC236}">
+                <a16:creationId xmlns:a16="http://schemas.microsoft.com/office/drawing/2014/main" id="{94999537-D371-4C6F-860A-28F2C9532D61}"/>
+              </a:ext>
+            </a:extLst>
+          </p:cNvPr>
+          <p:cNvSpPr txBox="1"/>
+          <p:nvPr/>
+        </p:nvSpPr>
+        <p:spPr>
+          <a:xfrm>
+            <a:off x="1629103" y="2244830"/>
+            <a:ext cx="8933796" cy="2437232"/>
+          </a:xfrm>
+          <a:prstGeom prst="rect">
+            <a:avLst/>
+          </a:prstGeom>
+        </p:spPr>
+        <p:txBody>
+          <a:bodyPr vert="horz" lIns="91440" tIns="45720" rIns="91440" bIns="45720" rtlCol="0" anchor="ctr">
+            <a:normAutofit/>
+          </a:bodyPr>
+          <a:lstStyle/>
+          <a:p>
+            <a:pPr algn="ctr">
+              <a:lnSpc>
+                <a:spcPct val="83000"/>
+              </a:lnSpc>
+              <a:spcBef>
+                <a:spcPct val="0"/>
+              </a:spcBef>
+              <a:spcAft>
+                <a:spcPts val="600"/>
+              </a:spcAft>
+            </a:pPr>
+            <a:r>
+              <a:rPr lang="en-US" sz="6800" b="0" i="0" kern="1200" cap="all" spc="-100" baseline="0" dirty="0">
+                <a:solidFill>
+                  <a:schemeClr val="tx1">
+                    <a:lumMod val="85000"/>
+                    <a:lumOff val="15000"/>
+                  </a:schemeClr>
+                </a:solidFill>
+                <a:effectLst/>
+                <a:latin typeface="+mj-lt"/>
+                <a:ea typeface="+mn-ea"/>
+                <a:cs typeface="+mn-cs"/>
+              </a:rPr>
+              <a:t>That’s All Folks!</a:t>
+            </a:r>
+          </a:p>
+        </p:txBody>
+      </p:sp>
+      <p:sp>
+        <p:nvSpPr>
+          <p:cNvPr id="6" name="TextBox 5">
+            <a:extLst>
+              <a:ext uri="{FF2B5EF4-FFF2-40B4-BE49-F238E27FC236}">
+                <a16:creationId xmlns:a16="http://schemas.microsoft.com/office/drawing/2014/main" id="{5D0481FA-68D7-44C9-B86F-2A90299C22CD}"/>
+              </a:ext>
+            </a:extLst>
+          </p:cNvPr>
+          <p:cNvSpPr txBox="1"/>
+          <p:nvPr/>
+        </p:nvSpPr>
+        <p:spPr>
+          <a:xfrm>
+            <a:off x="1629101" y="4682062"/>
+            <a:ext cx="8936846" cy="457201"/>
+          </a:xfrm>
+          <a:prstGeom prst="rect">
+            <a:avLst/>
+          </a:prstGeom>
+        </p:spPr>
+        <p:txBody>
+          <a:bodyPr vert="horz" lIns="91440" tIns="45720" rIns="91440" bIns="45720" rtlCol="0">
+            <a:normAutofit/>
+          </a:bodyPr>
+          <a:lstStyle/>
+          <a:p>
+            <a:pPr algn="ctr">
+              <a:lnSpc>
+                <a:spcPct val="110000"/>
+              </a:lnSpc>
+              <a:spcAft>
+                <a:spcPts val="600"/>
+              </a:spcAft>
+              <a:buClr>
+                <a:schemeClr val="tx1">
+                  <a:lumMod val="85000"/>
+                  <a:lumOff val="15000"/>
+                </a:schemeClr>
+              </a:buClr>
+            </a:pPr>
+            <a:r>
+              <a:rPr lang="en-US" kern="1200" spc="80" baseline="0" dirty="0">
+                <a:solidFill>
+                  <a:schemeClr val="tx1">
+                    <a:lumMod val="95000"/>
+                    <a:lumOff val="5000"/>
+                  </a:schemeClr>
+                </a:solidFill>
+                <a:latin typeface="+mn-lt"/>
+                <a:ea typeface="+mn-ea"/>
+                <a:cs typeface="+mn-cs"/>
+              </a:rPr>
+              <a:t>Thanks for the time and your attention</a:t>
+            </a:r>
+          </a:p>
+        </p:txBody>
+      </p:sp>
+      <p:sp>
+        <p:nvSpPr>
+          <p:cNvPr id="7" name="TextBox 6">
+            <a:extLst>
+              <a:ext uri="{FF2B5EF4-FFF2-40B4-BE49-F238E27FC236}">
+                <a16:creationId xmlns:a16="http://schemas.microsoft.com/office/drawing/2014/main" id="{794A3771-6F8B-49C8-9064-B319C592FE33}"/>
+              </a:ext>
+            </a:extLst>
+          </p:cNvPr>
+          <p:cNvSpPr txBox="1"/>
+          <p:nvPr/>
+        </p:nvSpPr>
+        <p:spPr>
+          <a:xfrm>
+            <a:off x="1309687" y="5953125"/>
+            <a:ext cx="9572625" cy="584775"/>
+          </a:xfrm>
+          <a:prstGeom prst="rect">
+            <a:avLst/>
+          </a:prstGeom>
+          <a:solidFill>
+            <a:schemeClr val="bg1"/>
+          </a:solidFill>
+        </p:spPr>
+        <p:txBody>
+          <a:bodyPr wrap="square" rtlCol="0">
+            <a:spAutoFit/>
+          </a:bodyPr>
+          <a:lstStyle/>
+          <a:p>
+            <a:endParaRPr lang="en-US" sz="1600" dirty="0"/>
+          </a:p>
+          <a:p>
+            <a:r>
+              <a:rPr lang="en-US" sz="1600" dirty="0"/>
+              <a:t>Christopher Burch / </a:t>
+            </a:r>
+            <a:r>
+              <a:rPr lang="en-US" sz="1600" dirty="0" err="1"/>
+              <a:t>christopher.burch</a:t>
+            </a:r>
+            <a:r>
+              <a:rPr lang="en-US" sz="1600" dirty="0"/>
+              <a:t> </a:t>
+            </a:r>
+            <a:r>
+              <a:rPr lang="en-US" sz="1200" dirty="0"/>
+              <a:t>&lt;at&gt;</a:t>
+            </a:r>
+            <a:r>
+              <a:rPr lang="en-US" sz="1600" dirty="0"/>
+              <a:t> </a:t>
+            </a:r>
+            <a:r>
+              <a:rPr lang="en-US" sz="1600" dirty="0" err="1"/>
+              <a:t>grantleadingtechnology</a:t>
+            </a:r>
+            <a:r>
+              <a:rPr lang="en-US" sz="1600" dirty="0"/>
+              <a:t> </a:t>
+            </a:r>
+            <a:r>
+              <a:rPr lang="en-US" sz="1200" dirty="0"/>
+              <a:t>&lt;dot&gt; </a:t>
+            </a:r>
+            <a:r>
+              <a:rPr lang="en-US" sz="1600" dirty="0"/>
+              <a:t>com</a:t>
+            </a:r>
+          </a:p>
+        </p:txBody>
+      </p:sp>
+    </p:spTree>
+    <p:extLst>
+      <p:ext uri="{BB962C8B-B14F-4D97-AF65-F5344CB8AC3E}">
+        <p14:creationId xmlns:p14="http://schemas.microsoft.com/office/powerpoint/2010/main" val="3288418823"/>
+      </p:ext>
+    </p:extLst>
+  </p:cSld>
+  <p:clrMapOvr>
+    <a:masterClrMapping/>
+  </p:clrMapOvr>
 </p:sld>
 </file>
 
@@ -8001,6 +9109,1120 @@
 </file>
 
 <file path=ppt/slides/slide8.xml><?xml version="1.0" encoding="utf-8"?>
+<p:sld xmlns:a="http://schemas.openxmlformats.org/drawingml/2006/main" xmlns:r="http://schemas.openxmlformats.org/officeDocument/2006/relationships" xmlns:p="http://schemas.openxmlformats.org/presentationml/2006/main">
+  <p:cSld>
+    <p:spTree>
+      <p:nvGrpSpPr>
+        <p:cNvPr id="1" name=""/>
+        <p:cNvGrpSpPr/>
+        <p:nvPr/>
+      </p:nvGrpSpPr>
+      <p:grpSpPr>
+        <a:xfrm>
+          <a:off x="0" y="0"/>
+          <a:ext cx="0" cy="0"/>
+          <a:chOff x="0" y="0"/>
+          <a:chExt cx="0" cy="0"/>
+        </a:xfrm>
+      </p:grpSpPr>
+      <p:sp>
+        <p:nvSpPr>
+          <p:cNvPr id="2" name="Title 1">
+            <a:extLst>
+              <a:ext uri="{FF2B5EF4-FFF2-40B4-BE49-F238E27FC236}">
+                <a16:creationId xmlns:a16="http://schemas.microsoft.com/office/drawing/2014/main" id="{10493CAA-01DB-46E1-9DAE-4D398672CE89}"/>
+              </a:ext>
+            </a:extLst>
+          </p:cNvPr>
+          <p:cNvSpPr>
+            <a:spLocks noGrp="1"/>
+          </p:cNvSpPr>
+          <p:nvPr>
+            <p:ph type="title"/>
+          </p:nvPr>
+        </p:nvSpPr>
+        <p:spPr/>
+        <p:txBody>
+          <a:bodyPr/>
+          <a:lstStyle/>
+          <a:p>
+            <a:r>
+              <a:rPr lang="en-US" dirty="0"/>
+              <a:t>Git – workflow</a:t>
+            </a:r>
+          </a:p>
+        </p:txBody>
+      </p:sp>
+      <p:sp>
+        <p:nvSpPr>
+          <p:cNvPr id="3" name="Content Placeholder 2">
+            <a:extLst>
+              <a:ext uri="{FF2B5EF4-FFF2-40B4-BE49-F238E27FC236}">
+                <a16:creationId xmlns:a16="http://schemas.microsoft.com/office/drawing/2014/main" id="{84976918-533A-469D-9590-65AE64915ED1}"/>
+              </a:ext>
+            </a:extLst>
+          </p:cNvPr>
+          <p:cNvSpPr>
+            <a:spLocks noGrp="1"/>
+          </p:cNvSpPr>
+          <p:nvPr>
+            <p:ph idx="1"/>
+          </p:nvPr>
+        </p:nvSpPr>
+        <p:spPr/>
+        <p:txBody>
+          <a:bodyPr/>
+          <a:lstStyle/>
+          <a:p>
+            <a:r>
+              <a:rPr lang="en-US" dirty="0"/>
+              <a:t>Work on your own computer. Once you’re ready, “</a:t>
+            </a:r>
+            <a:r>
+              <a:rPr lang="en-US" b="1" dirty="0"/>
+              <a:t>commit</a:t>
+            </a:r>
+            <a:r>
+              <a:rPr lang="en-US" dirty="0"/>
+              <a:t>” your changes</a:t>
+            </a:r>
+          </a:p>
+          <a:p>
+            <a:r>
+              <a:rPr lang="en-US" dirty="0"/>
+              <a:t>Each commit represents a version of the document / repo</a:t>
+            </a:r>
+          </a:p>
+          <a:p>
+            <a:pPr lvl="1"/>
+            <a:r>
+              <a:rPr lang="en-US" dirty="0"/>
+              <a:t>Ideally small changes to aid in tracking and workflow</a:t>
+            </a:r>
+          </a:p>
+          <a:p>
+            <a:pPr lvl="1"/>
+            <a:endParaRPr lang="en-US" dirty="0"/>
+          </a:p>
+          <a:p>
+            <a:r>
+              <a:rPr lang="en-US" dirty="0"/>
+              <a:t>Once a commit is created on your local machine, </a:t>
+            </a:r>
+            <a:r>
+              <a:rPr lang="en-US" b="1" dirty="0"/>
+              <a:t>push</a:t>
+            </a:r>
+            <a:r>
+              <a:rPr lang="en-US" dirty="0"/>
+              <a:t> that commit to the main repo</a:t>
+            </a:r>
+          </a:p>
+          <a:p>
+            <a:endParaRPr lang="en-US" dirty="0"/>
+          </a:p>
+          <a:p>
+            <a:pPr lvl="1"/>
+            <a:endParaRPr lang="en-US" dirty="0"/>
+          </a:p>
+        </p:txBody>
+      </p:sp>
+      <p:pic>
+        <p:nvPicPr>
+          <p:cNvPr id="5" name="Picture 4" descr="Icon&#10;&#10;Description automatically generated">
+            <a:extLst>
+              <a:ext uri="{FF2B5EF4-FFF2-40B4-BE49-F238E27FC236}">
+                <a16:creationId xmlns:a16="http://schemas.microsoft.com/office/drawing/2014/main" id="{3FAC9725-169D-4932-8979-A09B48075709}"/>
+              </a:ext>
+            </a:extLst>
+          </p:cNvPr>
+          <p:cNvPicPr>
+            <a:picLocks noChangeAspect="1"/>
+          </p:cNvPicPr>
+          <p:nvPr/>
+        </p:nvPicPr>
+        <p:blipFill>
+          <a:blip r:embed="rId2"/>
+          <a:stretch>
+            <a:fillRect/>
+          </a:stretch>
+        </p:blipFill>
+        <p:spPr>
+          <a:xfrm>
+            <a:off x="7696629" y="642594"/>
+            <a:ext cx="3428571" cy="2380952"/>
+          </a:xfrm>
+          <a:prstGeom prst="rect">
+            <a:avLst/>
+          </a:prstGeom>
+        </p:spPr>
+      </p:pic>
+      <p:sp>
+        <p:nvSpPr>
+          <p:cNvPr id="4" name="Rectangle 3">
+            <a:extLst>
+              <a:ext uri="{FF2B5EF4-FFF2-40B4-BE49-F238E27FC236}">
+                <a16:creationId xmlns:a16="http://schemas.microsoft.com/office/drawing/2014/main" id="{1A53B1DE-68A8-450F-96F5-5E6B181D680E}"/>
+              </a:ext>
+            </a:extLst>
+          </p:cNvPr>
+          <p:cNvSpPr/>
+          <p:nvPr/>
+        </p:nvSpPr>
+        <p:spPr>
+          <a:xfrm>
+            <a:off x="1066800" y="4478694"/>
+            <a:ext cx="1296955" cy="1604865"/>
+          </a:xfrm>
+          <a:prstGeom prst="rect">
+            <a:avLst/>
+          </a:prstGeom>
+        </p:spPr>
+        <p:style>
+          <a:lnRef idx="2">
+            <a:schemeClr val="accent1">
+              <a:shade val="50000"/>
+            </a:schemeClr>
+          </a:lnRef>
+          <a:fillRef idx="1">
+            <a:schemeClr val="accent1"/>
+          </a:fillRef>
+          <a:effectRef idx="0">
+            <a:schemeClr val="accent1"/>
+          </a:effectRef>
+          <a:fontRef idx="minor">
+            <a:schemeClr val="lt1"/>
+          </a:fontRef>
+        </p:style>
+        <p:txBody>
+          <a:bodyPr rtlCol="0" anchor="ctr"/>
+          <a:lstStyle/>
+          <a:p>
+            <a:pPr algn="ctr"/>
+            <a:r>
+              <a:rPr lang="en-US" dirty="0"/>
+              <a:t>Local file changes</a:t>
+            </a:r>
+          </a:p>
+        </p:txBody>
+      </p:sp>
+      <p:sp>
+        <p:nvSpPr>
+          <p:cNvPr id="6" name="Rectangle 5">
+            <a:extLst>
+              <a:ext uri="{FF2B5EF4-FFF2-40B4-BE49-F238E27FC236}">
+                <a16:creationId xmlns:a16="http://schemas.microsoft.com/office/drawing/2014/main" id="{606D935B-EE5D-4F65-B11C-5E160138AD8E}"/>
+              </a:ext>
+            </a:extLst>
+          </p:cNvPr>
+          <p:cNvSpPr/>
+          <p:nvPr/>
+        </p:nvSpPr>
+        <p:spPr>
+          <a:xfrm>
+            <a:off x="4590379" y="4478694"/>
+            <a:ext cx="1296955" cy="1604865"/>
+          </a:xfrm>
+          <a:prstGeom prst="rect">
+            <a:avLst/>
+          </a:prstGeom>
+        </p:spPr>
+        <p:style>
+          <a:lnRef idx="2">
+            <a:schemeClr val="accent1">
+              <a:shade val="50000"/>
+            </a:schemeClr>
+          </a:lnRef>
+          <a:fillRef idx="1">
+            <a:schemeClr val="accent1"/>
+          </a:fillRef>
+          <a:effectRef idx="0">
+            <a:schemeClr val="accent1"/>
+          </a:effectRef>
+          <a:fontRef idx="minor">
+            <a:schemeClr val="lt1"/>
+          </a:fontRef>
+        </p:style>
+        <p:txBody>
+          <a:bodyPr rtlCol="0" anchor="ctr"/>
+          <a:lstStyle/>
+          <a:p>
+            <a:pPr algn="ctr"/>
+            <a:r>
+              <a:rPr lang="en-US" dirty="0"/>
+              <a:t>Commit (version)</a:t>
+            </a:r>
+          </a:p>
+        </p:txBody>
+      </p:sp>
+      <p:sp>
+        <p:nvSpPr>
+          <p:cNvPr id="7" name="Rectangle 6">
+            <a:extLst>
+              <a:ext uri="{FF2B5EF4-FFF2-40B4-BE49-F238E27FC236}">
+                <a16:creationId xmlns:a16="http://schemas.microsoft.com/office/drawing/2014/main" id="{ECDCE24F-4A88-4971-8BD7-91D059B70251}"/>
+              </a:ext>
+            </a:extLst>
+          </p:cNvPr>
+          <p:cNvSpPr/>
+          <p:nvPr/>
+        </p:nvSpPr>
+        <p:spPr>
+          <a:xfrm>
+            <a:off x="8113959" y="4478694"/>
+            <a:ext cx="1296955" cy="1604865"/>
+          </a:xfrm>
+          <a:prstGeom prst="rect">
+            <a:avLst/>
+          </a:prstGeom>
+        </p:spPr>
+        <p:style>
+          <a:lnRef idx="2">
+            <a:schemeClr val="accent1">
+              <a:shade val="50000"/>
+            </a:schemeClr>
+          </a:lnRef>
+          <a:fillRef idx="1">
+            <a:schemeClr val="accent1"/>
+          </a:fillRef>
+          <a:effectRef idx="0">
+            <a:schemeClr val="accent1"/>
+          </a:effectRef>
+          <a:fontRef idx="minor">
+            <a:schemeClr val="lt1"/>
+          </a:fontRef>
+        </p:style>
+        <p:txBody>
+          <a:bodyPr rtlCol="0" anchor="ctr"/>
+          <a:lstStyle/>
+          <a:p>
+            <a:pPr algn="ctr"/>
+            <a:r>
+              <a:rPr lang="en-US" dirty="0"/>
+              <a:t>Updated repo</a:t>
+            </a:r>
+          </a:p>
+        </p:txBody>
+      </p:sp>
+      <p:cxnSp>
+        <p:nvCxnSpPr>
+          <p:cNvPr id="9" name="Straight Arrow Connector 8">
+            <a:extLst>
+              <a:ext uri="{FF2B5EF4-FFF2-40B4-BE49-F238E27FC236}">
+                <a16:creationId xmlns:a16="http://schemas.microsoft.com/office/drawing/2014/main" id="{67176D56-D0CC-4A06-A838-AC6010262AB2}"/>
+              </a:ext>
+            </a:extLst>
+          </p:cNvPr>
+          <p:cNvCxnSpPr>
+            <a:cxnSpLocks/>
+          </p:cNvCxnSpPr>
+          <p:nvPr/>
+        </p:nvCxnSpPr>
+        <p:spPr>
+          <a:xfrm flipH="1">
+            <a:off x="2363755" y="5635690"/>
+            <a:ext cx="2226624" cy="0"/>
+          </a:xfrm>
+          <a:prstGeom prst="straightConnector1">
+            <a:avLst/>
+          </a:prstGeom>
+          <a:ln>
+            <a:tailEnd type="triangle"/>
+          </a:ln>
+        </p:spPr>
+        <p:style>
+          <a:lnRef idx="1">
+            <a:schemeClr val="accent1"/>
+          </a:lnRef>
+          <a:fillRef idx="0">
+            <a:schemeClr val="accent1"/>
+          </a:fillRef>
+          <a:effectRef idx="0">
+            <a:schemeClr val="accent1"/>
+          </a:effectRef>
+          <a:fontRef idx="minor">
+            <a:schemeClr val="tx1"/>
+          </a:fontRef>
+        </p:style>
+      </p:cxnSp>
+      <p:cxnSp>
+        <p:nvCxnSpPr>
+          <p:cNvPr id="11" name="Straight Arrow Connector 10">
+            <a:extLst>
+              <a:ext uri="{FF2B5EF4-FFF2-40B4-BE49-F238E27FC236}">
+                <a16:creationId xmlns:a16="http://schemas.microsoft.com/office/drawing/2014/main" id="{D7C3DE5B-8E0D-43F4-8EDA-8E65EBEF488D}"/>
+              </a:ext>
+            </a:extLst>
+          </p:cNvPr>
+          <p:cNvCxnSpPr>
+            <a:cxnSpLocks/>
+          </p:cNvCxnSpPr>
+          <p:nvPr/>
+        </p:nvCxnSpPr>
+        <p:spPr>
+          <a:xfrm>
+            <a:off x="2363755" y="4842592"/>
+            <a:ext cx="2226624" cy="0"/>
+          </a:xfrm>
+          <a:prstGeom prst="straightConnector1">
+            <a:avLst/>
+          </a:prstGeom>
+          <a:ln>
+            <a:tailEnd type="triangle"/>
+          </a:ln>
+        </p:spPr>
+        <p:style>
+          <a:lnRef idx="1">
+            <a:schemeClr val="accent1"/>
+          </a:lnRef>
+          <a:fillRef idx="0">
+            <a:schemeClr val="accent1"/>
+          </a:fillRef>
+          <a:effectRef idx="0">
+            <a:schemeClr val="accent1"/>
+          </a:effectRef>
+          <a:fontRef idx="minor">
+            <a:schemeClr val="tx1"/>
+          </a:fontRef>
+        </p:style>
+      </p:cxnSp>
+      <p:cxnSp>
+        <p:nvCxnSpPr>
+          <p:cNvPr id="15" name="Straight Arrow Connector 14">
+            <a:extLst>
+              <a:ext uri="{FF2B5EF4-FFF2-40B4-BE49-F238E27FC236}">
+                <a16:creationId xmlns:a16="http://schemas.microsoft.com/office/drawing/2014/main" id="{6D33699B-036E-4FD2-9805-3BA81A9920A4}"/>
+              </a:ext>
+            </a:extLst>
+          </p:cNvPr>
+          <p:cNvCxnSpPr>
+            <a:cxnSpLocks/>
+          </p:cNvCxnSpPr>
+          <p:nvPr/>
+        </p:nvCxnSpPr>
+        <p:spPr>
+          <a:xfrm>
+            <a:off x="5887334" y="4842592"/>
+            <a:ext cx="2226625" cy="0"/>
+          </a:xfrm>
+          <a:prstGeom prst="straightConnector1">
+            <a:avLst/>
+          </a:prstGeom>
+          <a:ln>
+            <a:tailEnd type="triangle"/>
+          </a:ln>
+        </p:spPr>
+        <p:style>
+          <a:lnRef idx="1">
+            <a:schemeClr val="accent1"/>
+          </a:lnRef>
+          <a:fillRef idx="0">
+            <a:schemeClr val="accent1"/>
+          </a:fillRef>
+          <a:effectRef idx="0">
+            <a:schemeClr val="accent1"/>
+          </a:effectRef>
+          <a:fontRef idx="minor">
+            <a:schemeClr val="tx1"/>
+          </a:fontRef>
+        </p:style>
+      </p:cxnSp>
+      <p:sp>
+        <p:nvSpPr>
+          <p:cNvPr id="18" name="TextBox 17">
+            <a:extLst>
+              <a:ext uri="{FF2B5EF4-FFF2-40B4-BE49-F238E27FC236}">
+                <a16:creationId xmlns:a16="http://schemas.microsoft.com/office/drawing/2014/main" id="{656E5810-F7A9-4ABC-A2F1-1483664ACFE5}"/>
+              </a:ext>
+            </a:extLst>
+          </p:cNvPr>
+          <p:cNvSpPr txBox="1"/>
+          <p:nvPr/>
+        </p:nvSpPr>
+        <p:spPr>
+          <a:xfrm>
+            <a:off x="2955930" y="4473260"/>
+            <a:ext cx="1042273" cy="369332"/>
+          </a:xfrm>
+          <a:prstGeom prst="rect">
+            <a:avLst/>
+          </a:prstGeom>
+          <a:noFill/>
+        </p:spPr>
+        <p:txBody>
+          <a:bodyPr wrap="none" rtlCol="0">
+            <a:spAutoFit/>
+          </a:bodyPr>
+          <a:lstStyle/>
+          <a:p>
+            <a:r>
+              <a:rPr lang="en-US" dirty="0"/>
+              <a:t>commit</a:t>
+            </a:r>
+          </a:p>
+        </p:txBody>
+      </p:sp>
+      <p:sp>
+        <p:nvSpPr>
+          <p:cNvPr id="19" name="TextBox 18">
+            <a:extLst>
+              <a:ext uri="{FF2B5EF4-FFF2-40B4-BE49-F238E27FC236}">
+                <a16:creationId xmlns:a16="http://schemas.microsoft.com/office/drawing/2014/main" id="{6449678A-61FC-4503-9AC8-55DBC65E71CC}"/>
+              </a:ext>
+            </a:extLst>
+          </p:cNvPr>
+          <p:cNvSpPr txBox="1"/>
+          <p:nvPr/>
+        </p:nvSpPr>
+        <p:spPr>
+          <a:xfrm>
+            <a:off x="6627844" y="4473260"/>
+            <a:ext cx="713657" cy="369332"/>
+          </a:xfrm>
+          <a:prstGeom prst="rect">
+            <a:avLst/>
+          </a:prstGeom>
+          <a:noFill/>
+        </p:spPr>
+        <p:txBody>
+          <a:bodyPr wrap="none" rtlCol="0">
+            <a:spAutoFit/>
+          </a:bodyPr>
+          <a:lstStyle/>
+          <a:p>
+            <a:r>
+              <a:rPr lang="en-US" dirty="0"/>
+              <a:t>push</a:t>
+            </a:r>
+          </a:p>
+        </p:txBody>
+      </p:sp>
+      <p:cxnSp>
+        <p:nvCxnSpPr>
+          <p:cNvPr id="21" name="Straight Arrow Connector 20">
+            <a:extLst>
+              <a:ext uri="{FF2B5EF4-FFF2-40B4-BE49-F238E27FC236}">
+                <a16:creationId xmlns:a16="http://schemas.microsoft.com/office/drawing/2014/main" id="{38F8F72E-3EDC-4463-8ADC-D878182D44B6}"/>
+              </a:ext>
+            </a:extLst>
+          </p:cNvPr>
+          <p:cNvCxnSpPr>
+            <a:cxnSpLocks/>
+          </p:cNvCxnSpPr>
+          <p:nvPr/>
+        </p:nvCxnSpPr>
+        <p:spPr>
+          <a:xfrm flipH="1">
+            <a:off x="5887334" y="5635690"/>
+            <a:ext cx="2226624" cy="0"/>
+          </a:xfrm>
+          <a:prstGeom prst="straightConnector1">
+            <a:avLst/>
+          </a:prstGeom>
+          <a:ln>
+            <a:tailEnd type="triangle"/>
+          </a:ln>
+        </p:spPr>
+        <p:style>
+          <a:lnRef idx="1">
+            <a:schemeClr val="accent1"/>
+          </a:lnRef>
+          <a:fillRef idx="0">
+            <a:schemeClr val="accent1"/>
+          </a:fillRef>
+          <a:effectRef idx="0">
+            <a:schemeClr val="accent1"/>
+          </a:effectRef>
+          <a:fontRef idx="minor">
+            <a:schemeClr val="tx1"/>
+          </a:fontRef>
+        </p:style>
+      </p:cxnSp>
+      <p:sp>
+        <p:nvSpPr>
+          <p:cNvPr id="25" name="TextBox 24">
+            <a:extLst>
+              <a:ext uri="{FF2B5EF4-FFF2-40B4-BE49-F238E27FC236}">
+                <a16:creationId xmlns:a16="http://schemas.microsoft.com/office/drawing/2014/main" id="{55201308-6184-4DF0-9150-244493B878CB}"/>
+              </a:ext>
+            </a:extLst>
+          </p:cNvPr>
+          <p:cNvSpPr txBox="1"/>
+          <p:nvPr/>
+        </p:nvSpPr>
+        <p:spPr>
+          <a:xfrm>
+            <a:off x="6712746" y="5635690"/>
+            <a:ext cx="575799" cy="369332"/>
+          </a:xfrm>
+          <a:prstGeom prst="rect">
+            <a:avLst/>
+          </a:prstGeom>
+          <a:noFill/>
+        </p:spPr>
+        <p:txBody>
+          <a:bodyPr wrap="none" rtlCol="0">
+            <a:spAutoFit/>
+          </a:bodyPr>
+          <a:lstStyle/>
+          <a:p>
+            <a:r>
+              <a:rPr lang="en-US" dirty="0"/>
+              <a:t>pull</a:t>
+            </a:r>
+          </a:p>
+        </p:txBody>
+      </p:sp>
+      <p:sp>
+        <p:nvSpPr>
+          <p:cNvPr id="27" name="TextBox 26">
+            <a:extLst>
+              <a:ext uri="{FF2B5EF4-FFF2-40B4-BE49-F238E27FC236}">
+                <a16:creationId xmlns:a16="http://schemas.microsoft.com/office/drawing/2014/main" id="{E0ED12FF-0FCF-4F10-991F-DDB638B91634}"/>
+              </a:ext>
+            </a:extLst>
+          </p:cNvPr>
+          <p:cNvSpPr txBox="1"/>
+          <p:nvPr/>
+        </p:nvSpPr>
+        <p:spPr>
+          <a:xfrm>
+            <a:off x="3167526" y="5635690"/>
+            <a:ext cx="619080" cy="369332"/>
+          </a:xfrm>
+          <a:prstGeom prst="rect">
+            <a:avLst/>
+          </a:prstGeom>
+          <a:noFill/>
+        </p:spPr>
+        <p:txBody>
+          <a:bodyPr wrap="none" rtlCol="0">
+            <a:spAutoFit/>
+          </a:bodyPr>
+          <a:lstStyle/>
+          <a:p>
+            <a:r>
+              <a:rPr lang="en-US" dirty="0"/>
+              <a:t>edit</a:t>
+            </a:r>
+          </a:p>
+        </p:txBody>
+      </p:sp>
+    </p:spTree>
+    <p:extLst>
+      <p:ext uri="{BB962C8B-B14F-4D97-AF65-F5344CB8AC3E}">
+        <p14:creationId xmlns:p14="http://schemas.microsoft.com/office/powerpoint/2010/main" val="30978117"/>
+      </p:ext>
+    </p:extLst>
+  </p:cSld>
+  <p:clrMapOvr>
+    <a:masterClrMapping/>
+  </p:clrMapOvr>
+  <p:timing>
+    <p:tnLst>
+      <p:par>
+        <p:cTn id="1" dur="indefinite" restart="never" nodeType="tmRoot">
+          <p:childTnLst>
+            <p:seq concurrent="1" nextAc="seek">
+              <p:cTn id="2" dur="indefinite" nodeType="mainSeq">
+                <p:childTnLst>
+                  <p:par>
+                    <p:cTn id="3" fill="hold">
+                      <p:stCondLst>
+                        <p:cond delay="indefinite"/>
+                      </p:stCondLst>
+                      <p:childTnLst>
+                        <p:par>
+                          <p:cTn id="4" fill="hold">
+                            <p:stCondLst>
+                              <p:cond delay="0"/>
+                            </p:stCondLst>
+                            <p:childTnLst>
+                              <p:par>
+                                <p:cTn id="5" presetID="1" presetClass="entr" presetSubtype="0" fill="hold" nodeType="clickEffect">
+                                  <p:stCondLst>
+                                    <p:cond delay="0"/>
+                                  </p:stCondLst>
+                                  <p:childTnLst>
+                                    <p:set>
+                                      <p:cBhvr>
+                                        <p:cTn id="6" dur="1" fill="hold">
+                                          <p:stCondLst>
+                                            <p:cond delay="0"/>
+                                          </p:stCondLst>
+                                        </p:cTn>
+                                        <p:tgtEl>
+                                          <p:spTgt spid="3">
+                                            <p:txEl>
+                                              <p:pRg st="1" end="1"/>
+                                            </p:txEl>
+                                          </p:spTgt>
+                                        </p:tgtEl>
+                                        <p:attrNameLst>
+                                          <p:attrName>style.visibility</p:attrName>
+                                        </p:attrNameLst>
+                                      </p:cBhvr>
+                                      <p:to>
+                                        <p:strVal val="visible"/>
+                                      </p:to>
+                                    </p:set>
+                                  </p:childTnLst>
+                                </p:cTn>
+                              </p:par>
+                              <p:par>
+                                <p:cTn id="7" presetID="1" presetClass="entr" presetSubtype="0" fill="hold" nodeType="withEffect">
+                                  <p:stCondLst>
+                                    <p:cond delay="0"/>
+                                  </p:stCondLst>
+                                  <p:childTnLst>
+                                    <p:set>
+                                      <p:cBhvr>
+                                        <p:cTn id="8" dur="1" fill="hold">
+                                          <p:stCondLst>
+                                            <p:cond delay="0"/>
+                                          </p:stCondLst>
+                                        </p:cTn>
+                                        <p:tgtEl>
+                                          <p:spTgt spid="3">
+                                            <p:txEl>
+                                              <p:pRg st="2" end="2"/>
+                                            </p:txEl>
+                                          </p:spTgt>
+                                        </p:tgtEl>
+                                        <p:attrNameLst>
+                                          <p:attrName>style.visibility</p:attrName>
+                                        </p:attrNameLst>
+                                      </p:cBhvr>
+                                      <p:to>
+                                        <p:strVal val="visible"/>
+                                      </p:to>
+                                    </p:set>
+                                  </p:childTnLst>
+                                </p:cTn>
+                              </p:par>
+                            </p:childTnLst>
+                          </p:cTn>
+                        </p:par>
+                      </p:childTnLst>
+                    </p:cTn>
+                  </p:par>
+                  <p:par>
+                    <p:cTn id="9" fill="hold">
+                      <p:stCondLst>
+                        <p:cond delay="indefinite"/>
+                      </p:stCondLst>
+                      <p:childTnLst>
+                        <p:par>
+                          <p:cTn id="10" fill="hold">
+                            <p:stCondLst>
+                              <p:cond delay="0"/>
+                            </p:stCondLst>
+                            <p:childTnLst>
+                              <p:par>
+                                <p:cTn id="11" presetID="1" presetClass="entr" presetSubtype="0" fill="hold" grpId="0" nodeType="clickEffect">
+                                  <p:stCondLst>
+                                    <p:cond delay="0"/>
+                                  </p:stCondLst>
+                                  <p:childTnLst>
+                                    <p:set>
+                                      <p:cBhvr>
+                                        <p:cTn id="12" dur="1" fill="hold">
+                                          <p:stCondLst>
+                                            <p:cond delay="0"/>
+                                          </p:stCondLst>
+                                        </p:cTn>
+                                        <p:tgtEl>
+                                          <p:spTgt spid="4"/>
+                                        </p:tgtEl>
+                                        <p:attrNameLst>
+                                          <p:attrName>style.visibility</p:attrName>
+                                        </p:attrNameLst>
+                                      </p:cBhvr>
+                                      <p:to>
+                                        <p:strVal val="visible"/>
+                                      </p:to>
+                                    </p:set>
+                                  </p:childTnLst>
+                                </p:cTn>
+                              </p:par>
+                              <p:par>
+                                <p:cTn id="13" presetID="1" presetClass="entr" presetSubtype="0" fill="hold" grpId="0" nodeType="withEffect">
+                                  <p:stCondLst>
+                                    <p:cond delay="0"/>
+                                  </p:stCondLst>
+                                  <p:childTnLst>
+                                    <p:set>
+                                      <p:cBhvr>
+                                        <p:cTn id="14" dur="1" fill="hold">
+                                          <p:stCondLst>
+                                            <p:cond delay="0"/>
+                                          </p:stCondLst>
+                                        </p:cTn>
+                                        <p:tgtEl>
+                                          <p:spTgt spid="18"/>
+                                        </p:tgtEl>
+                                        <p:attrNameLst>
+                                          <p:attrName>style.visibility</p:attrName>
+                                        </p:attrNameLst>
+                                      </p:cBhvr>
+                                      <p:to>
+                                        <p:strVal val="visible"/>
+                                      </p:to>
+                                    </p:set>
+                                  </p:childTnLst>
+                                </p:cTn>
+                              </p:par>
+                              <p:par>
+                                <p:cTn id="15" presetID="1" presetClass="entr" presetSubtype="0" fill="hold" nodeType="withEffect">
+                                  <p:stCondLst>
+                                    <p:cond delay="0"/>
+                                  </p:stCondLst>
+                                  <p:childTnLst>
+                                    <p:set>
+                                      <p:cBhvr>
+                                        <p:cTn id="16" dur="1" fill="hold">
+                                          <p:stCondLst>
+                                            <p:cond delay="0"/>
+                                          </p:stCondLst>
+                                        </p:cTn>
+                                        <p:tgtEl>
+                                          <p:spTgt spid="11"/>
+                                        </p:tgtEl>
+                                        <p:attrNameLst>
+                                          <p:attrName>style.visibility</p:attrName>
+                                        </p:attrNameLst>
+                                      </p:cBhvr>
+                                      <p:to>
+                                        <p:strVal val="visible"/>
+                                      </p:to>
+                                    </p:set>
+                                  </p:childTnLst>
+                                </p:cTn>
+                              </p:par>
+                              <p:par>
+                                <p:cTn id="17" presetID="1" presetClass="entr" presetSubtype="0" fill="hold" grpId="0" nodeType="withEffect">
+                                  <p:stCondLst>
+                                    <p:cond delay="0"/>
+                                  </p:stCondLst>
+                                  <p:childTnLst>
+                                    <p:set>
+                                      <p:cBhvr>
+                                        <p:cTn id="18" dur="1" fill="hold">
+                                          <p:stCondLst>
+                                            <p:cond delay="0"/>
+                                          </p:stCondLst>
+                                        </p:cTn>
+                                        <p:tgtEl>
+                                          <p:spTgt spid="6"/>
+                                        </p:tgtEl>
+                                        <p:attrNameLst>
+                                          <p:attrName>style.visibility</p:attrName>
+                                        </p:attrNameLst>
+                                      </p:cBhvr>
+                                      <p:to>
+                                        <p:strVal val="visible"/>
+                                      </p:to>
+                                    </p:set>
+                                  </p:childTnLst>
+                                </p:cTn>
+                              </p:par>
+                            </p:childTnLst>
+                          </p:cTn>
+                        </p:par>
+                      </p:childTnLst>
+                    </p:cTn>
+                  </p:par>
+                  <p:par>
+                    <p:cTn id="19" fill="hold">
+                      <p:stCondLst>
+                        <p:cond delay="indefinite"/>
+                      </p:stCondLst>
+                      <p:childTnLst>
+                        <p:par>
+                          <p:cTn id="20" fill="hold">
+                            <p:stCondLst>
+                              <p:cond delay="0"/>
+                            </p:stCondLst>
+                            <p:childTnLst>
+                              <p:par>
+                                <p:cTn id="21" presetID="1" presetClass="entr" presetSubtype="0" fill="hold" nodeType="clickEffect">
+                                  <p:stCondLst>
+                                    <p:cond delay="0"/>
+                                  </p:stCondLst>
+                                  <p:childTnLst>
+                                    <p:set>
+                                      <p:cBhvr>
+                                        <p:cTn id="22" dur="1" fill="hold">
+                                          <p:stCondLst>
+                                            <p:cond delay="0"/>
+                                          </p:stCondLst>
+                                        </p:cTn>
+                                        <p:tgtEl>
+                                          <p:spTgt spid="15"/>
+                                        </p:tgtEl>
+                                        <p:attrNameLst>
+                                          <p:attrName>style.visibility</p:attrName>
+                                        </p:attrNameLst>
+                                      </p:cBhvr>
+                                      <p:to>
+                                        <p:strVal val="visible"/>
+                                      </p:to>
+                                    </p:set>
+                                  </p:childTnLst>
+                                </p:cTn>
+                              </p:par>
+                              <p:par>
+                                <p:cTn id="23" presetID="1" presetClass="entr" presetSubtype="0" fill="hold" grpId="0" nodeType="withEffect">
+                                  <p:stCondLst>
+                                    <p:cond delay="0"/>
+                                  </p:stCondLst>
+                                  <p:childTnLst>
+                                    <p:set>
+                                      <p:cBhvr>
+                                        <p:cTn id="24" dur="1" fill="hold">
+                                          <p:stCondLst>
+                                            <p:cond delay="0"/>
+                                          </p:stCondLst>
+                                        </p:cTn>
+                                        <p:tgtEl>
+                                          <p:spTgt spid="19"/>
+                                        </p:tgtEl>
+                                        <p:attrNameLst>
+                                          <p:attrName>style.visibility</p:attrName>
+                                        </p:attrNameLst>
+                                      </p:cBhvr>
+                                      <p:to>
+                                        <p:strVal val="visible"/>
+                                      </p:to>
+                                    </p:set>
+                                  </p:childTnLst>
+                                </p:cTn>
+                              </p:par>
+                              <p:par>
+                                <p:cTn id="25" presetID="1" presetClass="entr" presetSubtype="0" fill="hold" grpId="0" nodeType="withEffect">
+                                  <p:stCondLst>
+                                    <p:cond delay="0"/>
+                                  </p:stCondLst>
+                                  <p:childTnLst>
+                                    <p:set>
+                                      <p:cBhvr>
+                                        <p:cTn id="26" dur="1" fill="hold">
+                                          <p:stCondLst>
+                                            <p:cond delay="0"/>
+                                          </p:stCondLst>
+                                        </p:cTn>
+                                        <p:tgtEl>
+                                          <p:spTgt spid="7"/>
+                                        </p:tgtEl>
+                                        <p:attrNameLst>
+                                          <p:attrName>style.visibility</p:attrName>
+                                        </p:attrNameLst>
+                                      </p:cBhvr>
+                                      <p:to>
+                                        <p:strVal val="visible"/>
+                                      </p:to>
+                                    </p:set>
+                                  </p:childTnLst>
+                                </p:cTn>
+                              </p:par>
+                              <p:par>
+                                <p:cTn id="27" presetID="1" presetClass="entr" presetSubtype="0" fill="hold" nodeType="withEffect">
+                                  <p:stCondLst>
+                                    <p:cond delay="0"/>
+                                  </p:stCondLst>
+                                  <p:childTnLst>
+                                    <p:set>
+                                      <p:cBhvr>
+                                        <p:cTn id="28" dur="1" fill="hold">
+                                          <p:stCondLst>
+                                            <p:cond delay="0"/>
+                                          </p:stCondLst>
+                                        </p:cTn>
+                                        <p:tgtEl>
+                                          <p:spTgt spid="3">
+                                            <p:txEl>
+                                              <p:pRg st="4" end="4"/>
+                                            </p:txEl>
+                                          </p:spTgt>
+                                        </p:tgtEl>
+                                        <p:attrNameLst>
+                                          <p:attrName>style.visibility</p:attrName>
+                                        </p:attrNameLst>
+                                      </p:cBhvr>
+                                      <p:to>
+                                        <p:strVal val="visible"/>
+                                      </p:to>
+                                    </p:set>
+                                  </p:childTnLst>
+                                </p:cTn>
+                              </p:par>
+                            </p:childTnLst>
+                          </p:cTn>
+                        </p:par>
+                      </p:childTnLst>
+                    </p:cTn>
+                  </p:par>
+                  <p:par>
+                    <p:cTn id="29" fill="hold">
+                      <p:stCondLst>
+                        <p:cond delay="indefinite"/>
+                      </p:stCondLst>
+                      <p:childTnLst>
+                        <p:par>
+                          <p:cTn id="30" fill="hold">
+                            <p:stCondLst>
+                              <p:cond delay="0"/>
+                            </p:stCondLst>
+                            <p:childTnLst>
+                              <p:par>
+                                <p:cTn id="31" presetID="1" presetClass="entr" presetSubtype="0" fill="hold" grpId="0" nodeType="clickEffect">
+                                  <p:stCondLst>
+                                    <p:cond delay="0"/>
+                                  </p:stCondLst>
+                                  <p:childTnLst>
+                                    <p:set>
+                                      <p:cBhvr>
+                                        <p:cTn id="32" dur="1" fill="hold">
+                                          <p:stCondLst>
+                                            <p:cond delay="0"/>
+                                          </p:stCondLst>
+                                        </p:cTn>
+                                        <p:tgtEl>
+                                          <p:spTgt spid="25"/>
+                                        </p:tgtEl>
+                                        <p:attrNameLst>
+                                          <p:attrName>style.visibility</p:attrName>
+                                        </p:attrNameLst>
+                                      </p:cBhvr>
+                                      <p:to>
+                                        <p:strVal val="visible"/>
+                                      </p:to>
+                                    </p:set>
+                                  </p:childTnLst>
+                                </p:cTn>
+                              </p:par>
+                              <p:par>
+                                <p:cTn id="33" presetID="1" presetClass="entr" presetSubtype="0" fill="hold" nodeType="withEffect">
+                                  <p:stCondLst>
+                                    <p:cond delay="0"/>
+                                  </p:stCondLst>
+                                  <p:childTnLst>
+                                    <p:set>
+                                      <p:cBhvr>
+                                        <p:cTn id="34" dur="1" fill="hold">
+                                          <p:stCondLst>
+                                            <p:cond delay="0"/>
+                                          </p:stCondLst>
+                                        </p:cTn>
+                                        <p:tgtEl>
+                                          <p:spTgt spid="21"/>
+                                        </p:tgtEl>
+                                        <p:attrNameLst>
+                                          <p:attrName>style.visibility</p:attrName>
+                                        </p:attrNameLst>
+                                      </p:cBhvr>
+                                      <p:to>
+                                        <p:strVal val="visible"/>
+                                      </p:to>
+                                    </p:set>
+                                  </p:childTnLst>
+                                </p:cTn>
+                              </p:par>
+                              <p:par>
+                                <p:cTn id="35" presetID="1" presetClass="entr" presetSubtype="0" fill="hold" grpId="0" nodeType="withEffect">
+                                  <p:stCondLst>
+                                    <p:cond delay="0"/>
+                                  </p:stCondLst>
+                                  <p:childTnLst>
+                                    <p:set>
+                                      <p:cBhvr>
+                                        <p:cTn id="36" dur="1" fill="hold">
+                                          <p:stCondLst>
+                                            <p:cond delay="0"/>
+                                          </p:stCondLst>
+                                        </p:cTn>
+                                        <p:tgtEl>
+                                          <p:spTgt spid="27"/>
+                                        </p:tgtEl>
+                                        <p:attrNameLst>
+                                          <p:attrName>style.visibility</p:attrName>
+                                        </p:attrNameLst>
+                                      </p:cBhvr>
+                                      <p:to>
+                                        <p:strVal val="visible"/>
+                                      </p:to>
+                                    </p:set>
+                                  </p:childTnLst>
+                                </p:cTn>
+                              </p:par>
+                              <p:par>
+                                <p:cTn id="37" presetID="1" presetClass="entr" presetSubtype="0" fill="hold" nodeType="withEffect">
+                                  <p:stCondLst>
+                                    <p:cond delay="0"/>
+                                  </p:stCondLst>
+                                  <p:childTnLst>
+                                    <p:set>
+                                      <p:cBhvr>
+                                        <p:cTn id="38" dur="1" fill="hold">
+                                          <p:stCondLst>
+                                            <p:cond delay="0"/>
+                                          </p:stCondLst>
+                                        </p:cTn>
+                                        <p:tgtEl>
+                                          <p:spTgt spid="9"/>
+                                        </p:tgtEl>
+                                        <p:attrNameLst>
+                                          <p:attrName>style.visibility</p:attrName>
+                                        </p:attrNameLst>
+                                      </p:cBhvr>
+                                      <p:to>
+                                        <p:strVal val="visible"/>
+                                      </p:to>
+                                    </p:set>
+                                  </p:childTnLst>
+                                </p:cTn>
+                              </p:par>
+                            </p:childTnLst>
+                          </p:cTn>
+                        </p:par>
+                      </p:childTnLst>
+                    </p:cTn>
+                  </p:par>
+                </p:childTnLst>
+              </p:cTn>
+              <p:prevCondLst>
+                <p:cond evt="onPrev" delay="0">
+                  <p:tgtEl>
+                    <p:sldTgt/>
+                  </p:tgtEl>
+                </p:cond>
+              </p:prevCondLst>
+              <p:nextCondLst>
+                <p:cond evt="onNext" delay="0">
+                  <p:tgtEl>
+                    <p:sldTgt/>
+                  </p:tgtEl>
+                </p:cond>
+              </p:nextCondLst>
+            </p:seq>
+          </p:childTnLst>
+        </p:cTn>
+      </p:par>
+    </p:tnLst>
+    <p:bldLst>
+      <p:bldP spid="4" grpId="0" animBg="1"/>
+      <p:bldP spid="6" grpId="0" animBg="1"/>
+      <p:bldP spid="7" grpId="0" animBg="1"/>
+      <p:bldP spid="18" grpId="0"/>
+      <p:bldP spid="19" grpId="0"/>
+      <p:bldP spid="25" grpId="0"/>
+      <p:bldP spid="27" grpId="0"/>
+    </p:bldLst>
+  </p:timing>
+</p:sld>
+</file>
+
+<file path=ppt/slides/slide9.xml><?xml version="1.0" encoding="utf-8"?>
 <p:sld xmlns:a="http://schemas.openxmlformats.org/drawingml/2006/main" xmlns:r="http://schemas.openxmlformats.org/officeDocument/2006/relationships" xmlns:p="http://schemas.openxmlformats.org/presentationml/2006/main">
   <p:cSld>
     <p:spTree>
@@ -9601,544 +11823,6 @@
 </p:sld>
 </file>
 
-<file path=ppt/slides/slide9.xml><?xml version="1.0" encoding="utf-8"?>
-<p:sld xmlns:a="http://schemas.openxmlformats.org/drawingml/2006/main" xmlns:r="http://schemas.openxmlformats.org/officeDocument/2006/relationships" xmlns:p="http://schemas.openxmlformats.org/presentationml/2006/main">
-  <p:cSld>
-    <p:spTree>
-      <p:nvGrpSpPr>
-        <p:cNvPr id="1" name=""/>
-        <p:cNvGrpSpPr/>
-        <p:nvPr/>
-      </p:nvGrpSpPr>
-      <p:grpSpPr>
-        <a:xfrm>
-          <a:off x="0" y="0"/>
-          <a:ext cx="0" cy="0"/>
-          <a:chOff x="0" y="0"/>
-          <a:chExt cx="0" cy="0"/>
-        </a:xfrm>
-      </p:grpSpPr>
-      <p:sp>
-        <p:nvSpPr>
-          <p:cNvPr id="2" name="Title 1">
-            <a:extLst>
-              <a:ext uri="{FF2B5EF4-FFF2-40B4-BE49-F238E27FC236}">
-                <a16:creationId xmlns:a16="http://schemas.microsoft.com/office/drawing/2014/main" id="{10493CAA-01DB-46E1-9DAE-4D398672CE89}"/>
-              </a:ext>
-            </a:extLst>
-          </p:cNvPr>
-          <p:cNvSpPr>
-            <a:spLocks noGrp="1"/>
-          </p:cNvSpPr>
-          <p:nvPr>
-            <p:ph type="title"/>
-          </p:nvPr>
-        </p:nvSpPr>
-        <p:spPr/>
-        <p:txBody>
-          <a:bodyPr/>
-          <a:lstStyle/>
-          <a:p>
-            <a:r>
-              <a:rPr lang="en-US" dirty="0"/>
-              <a:t>GitHub</a:t>
-            </a:r>
-          </a:p>
-        </p:txBody>
-      </p:sp>
-      <p:sp>
-        <p:nvSpPr>
-          <p:cNvPr id="3" name="Content Placeholder 2">
-            <a:extLst>
-              <a:ext uri="{FF2B5EF4-FFF2-40B4-BE49-F238E27FC236}">
-                <a16:creationId xmlns:a16="http://schemas.microsoft.com/office/drawing/2014/main" id="{84976918-533A-469D-9590-65AE64915ED1}"/>
-              </a:ext>
-            </a:extLst>
-          </p:cNvPr>
-          <p:cNvSpPr>
-            <a:spLocks noGrp="1"/>
-          </p:cNvSpPr>
-          <p:nvPr>
-            <p:ph idx="1"/>
-          </p:nvPr>
-        </p:nvSpPr>
-        <p:spPr/>
-        <p:txBody>
-          <a:bodyPr/>
-          <a:lstStyle/>
-          <a:p>
-            <a:r>
-              <a:rPr lang="en-US" dirty="0"/>
-              <a:t>Cloud-based implementation of Git</a:t>
-            </a:r>
-          </a:p>
-          <a:p>
-            <a:pPr lvl="1"/>
-            <a:r>
-              <a:rPr lang="en-US" dirty="0"/>
-              <a:t>Private company</a:t>
-            </a:r>
-          </a:p>
-          <a:p>
-            <a:pPr lvl="1"/>
-            <a:r>
-              <a:rPr lang="en-US" dirty="0"/>
-              <a:t>Hosts a git-based version control cloud on their own servers</a:t>
-            </a:r>
-          </a:p>
-          <a:p>
-            <a:pPr lvl="1"/>
-            <a:r>
-              <a:rPr lang="en-US" dirty="0"/>
-              <a:t>Or deploys to a client server for a private GitHub instance</a:t>
-            </a:r>
-          </a:p>
-          <a:p>
-            <a:r>
-              <a:rPr lang="en-US" dirty="0"/>
-              <a:t>Currently the Version Control System of choice for the US Government and major companies</a:t>
-            </a:r>
-          </a:p>
-          <a:p>
-            <a:pPr lvl="1"/>
-            <a:r>
-              <a:rPr lang="en-US" dirty="0"/>
-              <a:t>The World Bank: </a:t>
-            </a:r>
-            <a:r>
-              <a:rPr lang="en-US" dirty="0">
-                <a:hlinkClick r:id="rId2"/>
-              </a:rPr>
-              <a:t>https://github.com/worldbank</a:t>
-            </a:r>
-            <a:endParaRPr lang="en-US" dirty="0"/>
-          </a:p>
-          <a:p>
-            <a:pPr lvl="1"/>
-            <a:r>
-              <a:rPr lang="en-US" dirty="0"/>
-              <a:t>Microsoft: </a:t>
-            </a:r>
-            <a:r>
-              <a:rPr lang="en-US" dirty="0">
-                <a:hlinkClick r:id="rId3"/>
-              </a:rPr>
-              <a:t>https://github.com/microsoft/</a:t>
-            </a:r>
-            <a:endParaRPr lang="en-US" dirty="0"/>
-          </a:p>
-          <a:p>
-            <a:pPr lvl="1"/>
-            <a:r>
-              <a:rPr lang="en-US" dirty="0"/>
-              <a:t>Google: </a:t>
-            </a:r>
-            <a:r>
-              <a:rPr lang="en-US" dirty="0">
-                <a:hlinkClick r:id="rId4"/>
-              </a:rPr>
-              <a:t>https://github.com/google/</a:t>
-            </a:r>
-            <a:endParaRPr lang="en-US" dirty="0"/>
-          </a:p>
-          <a:p>
-            <a:pPr lvl="1"/>
-            <a:r>
-              <a:rPr lang="en-US" dirty="0"/>
-              <a:t>NASA: </a:t>
-            </a:r>
-            <a:r>
-              <a:rPr lang="en-US" dirty="0">
-                <a:hlinkClick r:id="rId5"/>
-              </a:rPr>
-              <a:t>https://github.com/NASA</a:t>
-            </a:r>
-            <a:endParaRPr lang="en-US" dirty="0"/>
-          </a:p>
-          <a:p>
-            <a:pPr lvl="1"/>
-            <a:r>
-              <a:rPr lang="en-US" dirty="0"/>
-              <a:t>FAA: </a:t>
-            </a:r>
-            <a:r>
-              <a:rPr lang="en-US" dirty="0">
-                <a:hlinkClick r:id="rId6"/>
-              </a:rPr>
-              <a:t>https://github.com/Federal-Aviation-Administration</a:t>
-            </a:r>
-            <a:endParaRPr lang="en-US" dirty="0"/>
-          </a:p>
-          <a:p>
-            <a:r>
-              <a:rPr lang="en-US" dirty="0"/>
-              <a:t>Safe, secure, and trusted by Fortune 100 companies and the US Government</a:t>
-            </a:r>
-          </a:p>
-          <a:p>
-            <a:r>
-              <a:rPr lang="en-US" dirty="0"/>
-              <a:t>Can use command-line, GUI, or web-based tools</a:t>
-            </a:r>
-          </a:p>
-        </p:txBody>
-      </p:sp>
-      <p:pic>
-        <p:nvPicPr>
-          <p:cNvPr id="5" name="Picture 4">
-            <a:extLst>
-              <a:ext uri="{FF2B5EF4-FFF2-40B4-BE49-F238E27FC236}">
-                <a16:creationId xmlns:a16="http://schemas.microsoft.com/office/drawing/2014/main" id="{3FAC9725-169D-4932-8979-A09B48075709}"/>
-              </a:ext>
-            </a:extLst>
-          </p:cNvPr>
-          <p:cNvPicPr>
-            <a:picLocks noChangeAspect="1"/>
-          </p:cNvPicPr>
-          <p:nvPr/>
-        </p:nvPicPr>
-        <p:blipFill>
-          <a:blip r:embed="rId7"/>
-          <a:srcRect/>
-          <a:stretch/>
-        </p:blipFill>
-        <p:spPr>
-          <a:xfrm>
-            <a:off x="8189307" y="642594"/>
-            <a:ext cx="2443215" cy="2380952"/>
-          </a:xfrm>
-          <a:prstGeom prst="rect">
-            <a:avLst/>
-          </a:prstGeom>
-        </p:spPr>
-      </p:pic>
-    </p:spTree>
-    <p:extLst>
-      <p:ext uri="{BB962C8B-B14F-4D97-AF65-F5344CB8AC3E}">
-        <p14:creationId xmlns:p14="http://schemas.microsoft.com/office/powerpoint/2010/main" val="1638660473"/>
-      </p:ext>
-    </p:extLst>
-  </p:cSld>
-  <p:clrMapOvr>
-    <a:masterClrMapping/>
-  </p:clrMapOvr>
-  <p:timing>
-    <p:tnLst>
-      <p:par>
-        <p:cTn id="1" dur="indefinite" restart="never" nodeType="tmRoot">
-          <p:childTnLst>
-            <p:seq concurrent="1" nextAc="seek">
-              <p:cTn id="2" dur="indefinite" nodeType="mainSeq">
-                <p:childTnLst>
-                  <p:par>
-                    <p:cTn id="3" fill="hold">
-                      <p:stCondLst>
-                        <p:cond delay="indefinite"/>
-                      </p:stCondLst>
-                      <p:childTnLst>
-                        <p:par>
-                          <p:cTn id="4" fill="hold">
-                            <p:stCondLst>
-                              <p:cond delay="0"/>
-                            </p:stCondLst>
-                            <p:childTnLst>
-                              <p:par>
-                                <p:cTn id="5" presetID="1" presetClass="entr" presetSubtype="0" fill="hold" nodeType="clickEffect">
-                                  <p:stCondLst>
-                                    <p:cond delay="0"/>
-                                  </p:stCondLst>
-                                  <p:childTnLst>
-                                    <p:set>
-                                      <p:cBhvr>
-                                        <p:cTn id="6" dur="1" fill="hold">
-                                          <p:stCondLst>
-                                            <p:cond delay="0"/>
-                                          </p:stCondLst>
-                                        </p:cTn>
-                                        <p:tgtEl>
-                                          <p:spTgt spid="3">
-                                            <p:txEl>
-                                              <p:pRg st="4" end="4"/>
-                                            </p:txEl>
-                                          </p:spTgt>
-                                        </p:tgtEl>
-                                        <p:attrNameLst>
-                                          <p:attrName>style.visibility</p:attrName>
-                                        </p:attrNameLst>
-                                      </p:cBhvr>
-                                      <p:to>
-                                        <p:strVal val="visible"/>
-                                      </p:to>
-                                    </p:set>
-                                  </p:childTnLst>
-                                </p:cTn>
-                              </p:par>
-                              <p:par>
-                                <p:cTn id="7" presetID="1" presetClass="entr" presetSubtype="0" fill="hold" nodeType="withEffect">
-                                  <p:stCondLst>
-                                    <p:cond delay="0"/>
-                                  </p:stCondLst>
-                                  <p:childTnLst>
-                                    <p:set>
-                                      <p:cBhvr>
-                                        <p:cTn id="8" dur="1" fill="hold">
-                                          <p:stCondLst>
-                                            <p:cond delay="0"/>
-                                          </p:stCondLst>
-                                        </p:cTn>
-                                        <p:tgtEl>
-                                          <p:spTgt spid="3">
-                                            <p:txEl>
-                                              <p:pRg st="5" end="5"/>
-                                            </p:txEl>
-                                          </p:spTgt>
-                                        </p:tgtEl>
-                                        <p:attrNameLst>
-                                          <p:attrName>style.visibility</p:attrName>
-                                        </p:attrNameLst>
-                                      </p:cBhvr>
-                                      <p:to>
-                                        <p:strVal val="visible"/>
-                                      </p:to>
-                                    </p:set>
-                                  </p:childTnLst>
-                                </p:cTn>
-                              </p:par>
-                              <p:par>
-                                <p:cTn id="9" presetID="1" presetClass="entr" presetSubtype="0" fill="hold" nodeType="withEffect">
-                                  <p:stCondLst>
-                                    <p:cond delay="0"/>
-                                  </p:stCondLst>
-                                  <p:childTnLst>
-                                    <p:set>
-                                      <p:cBhvr>
-                                        <p:cTn id="10" dur="1" fill="hold">
-                                          <p:stCondLst>
-                                            <p:cond delay="0"/>
-                                          </p:stCondLst>
-                                        </p:cTn>
-                                        <p:tgtEl>
-                                          <p:spTgt spid="3">
-                                            <p:txEl>
-                                              <p:pRg st="6" end="6"/>
-                                            </p:txEl>
-                                          </p:spTgt>
-                                        </p:tgtEl>
-                                        <p:attrNameLst>
-                                          <p:attrName>style.visibility</p:attrName>
-                                        </p:attrNameLst>
-                                      </p:cBhvr>
-                                      <p:to>
-                                        <p:strVal val="visible"/>
-                                      </p:to>
-                                    </p:set>
-                                  </p:childTnLst>
-                                </p:cTn>
-                              </p:par>
-                              <p:par>
-                                <p:cTn id="11" presetID="1" presetClass="entr" presetSubtype="0" fill="hold" nodeType="withEffect">
-                                  <p:stCondLst>
-                                    <p:cond delay="0"/>
-                                  </p:stCondLst>
-                                  <p:childTnLst>
-                                    <p:set>
-                                      <p:cBhvr>
-                                        <p:cTn id="12" dur="1" fill="hold">
-                                          <p:stCondLst>
-                                            <p:cond delay="0"/>
-                                          </p:stCondLst>
-                                        </p:cTn>
-                                        <p:tgtEl>
-                                          <p:spTgt spid="3">
-                                            <p:txEl>
-                                              <p:pRg st="7" end="7"/>
-                                            </p:txEl>
-                                          </p:spTgt>
-                                        </p:tgtEl>
-                                        <p:attrNameLst>
-                                          <p:attrName>style.visibility</p:attrName>
-                                        </p:attrNameLst>
-                                      </p:cBhvr>
-                                      <p:to>
-                                        <p:strVal val="visible"/>
-                                      </p:to>
-                                    </p:set>
-                                  </p:childTnLst>
-                                </p:cTn>
-                              </p:par>
-                              <p:par>
-                                <p:cTn id="13" presetID="1" presetClass="entr" presetSubtype="0" fill="hold" nodeType="withEffect">
-                                  <p:stCondLst>
-                                    <p:cond delay="0"/>
-                                  </p:stCondLst>
-                                  <p:childTnLst>
-                                    <p:set>
-                                      <p:cBhvr>
-                                        <p:cTn id="14" dur="1" fill="hold">
-                                          <p:stCondLst>
-                                            <p:cond delay="0"/>
-                                          </p:stCondLst>
-                                        </p:cTn>
-                                        <p:tgtEl>
-                                          <p:spTgt spid="3">
-                                            <p:txEl>
-                                              <p:pRg st="8" end="8"/>
-                                            </p:txEl>
-                                          </p:spTgt>
-                                        </p:tgtEl>
-                                        <p:attrNameLst>
-                                          <p:attrName>style.visibility</p:attrName>
-                                        </p:attrNameLst>
-                                      </p:cBhvr>
-                                      <p:to>
-                                        <p:strVal val="visible"/>
-                                      </p:to>
-                                    </p:set>
-                                  </p:childTnLst>
-                                </p:cTn>
-                              </p:par>
-                              <p:par>
-                                <p:cTn id="15" presetID="1" presetClass="entr" presetSubtype="0" fill="hold" nodeType="withEffect">
-                                  <p:stCondLst>
-                                    <p:cond delay="0"/>
-                                  </p:stCondLst>
-                                  <p:childTnLst>
-                                    <p:set>
-                                      <p:cBhvr>
-                                        <p:cTn id="16" dur="1" fill="hold">
-                                          <p:stCondLst>
-                                            <p:cond delay="0"/>
-                                          </p:stCondLst>
-                                        </p:cTn>
-                                        <p:tgtEl>
-                                          <p:spTgt spid="3">
-                                            <p:txEl>
-                                              <p:pRg st="9" end="9"/>
-                                            </p:txEl>
-                                          </p:spTgt>
-                                        </p:tgtEl>
-                                        <p:attrNameLst>
-                                          <p:attrName>style.visibility</p:attrName>
-                                        </p:attrNameLst>
-                                      </p:cBhvr>
-                                      <p:to>
-                                        <p:strVal val="visible"/>
-                                      </p:to>
-                                    </p:set>
-                                  </p:childTnLst>
-                                </p:cTn>
-                              </p:par>
-                            </p:childTnLst>
-                          </p:cTn>
-                        </p:par>
-                      </p:childTnLst>
-                    </p:cTn>
-                  </p:par>
-                  <p:par>
-                    <p:cTn id="17" fill="hold">
-                      <p:stCondLst>
-                        <p:cond delay="indefinite"/>
-                      </p:stCondLst>
-                      <p:childTnLst>
-                        <p:par>
-                          <p:cTn id="18" fill="hold">
-                            <p:stCondLst>
-                              <p:cond delay="0"/>
-                            </p:stCondLst>
-                            <p:childTnLst>
-                              <p:par>
-                                <p:cTn id="19" presetID="1" presetClass="entr" presetSubtype="0" fill="hold" nodeType="clickEffect">
-                                  <p:stCondLst>
-                                    <p:cond delay="0"/>
-                                  </p:stCondLst>
-                                  <p:childTnLst>
-                                    <p:set>
-                                      <p:cBhvr>
-                                        <p:cTn id="20" dur="1" fill="hold">
-                                          <p:stCondLst>
-                                            <p:cond delay="0"/>
-                                          </p:stCondLst>
-                                        </p:cTn>
-                                        <p:tgtEl>
-                                          <p:spTgt spid="3">
-                                            <p:txEl>
-                                              <p:pRg st="10" end="10"/>
-                                            </p:txEl>
-                                          </p:spTgt>
-                                        </p:tgtEl>
-                                        <p:attrNameLst>
-                                          <p:attrName>style.visibility</p:attrName>
-                                        </p:attrNameLst>
-                                      </p:cBhvr>
-                                      <p:to>
-                                        <p:strVal val="visible"/>
-                                      </p:to>
-                                    </p:set>
-                                  </p:childTnLst>
-                                </p:cTn>
-                              </p:par>
-                              <p:par>
-                                <p:cTn id="21" presetID="1" presetClass="entr" presetSubtype="0" fill="hold" nodeType="withEffect">
-                                  <p:stCondLst>
-                                    <p:cond delay="0"/>
-                                  </p:stCondLst>
-                                  <p:childTnLst>
-                                    <p:set>
-                                      <p:cBhvr>
-                                        <p:cTn id="22" dur="1" fill="hold">
-                                          <p:stCondLst>
-                                            <p:cond delay="0"/>
-                                          </p:stCondLst>
-                                        </p:cTn>
-                                        <p:tgtEl>
-                                          <p:spTgt spid="3">
-                                            <p:txEl>
-                                              <p:pRg st="11" end="11"/>
-                                            </p:txEl>
-                                          </p:spTgt>
-                                        </p:tgtEl>
-                                        <p:attrNameLst>
-                                          <p:attrName>style.visibility</p:attrName>
-                                        </p:attrNameLst>
-                                      </p:cBhvr>
-                                      <p:to>
-                                        <p:strVal val="visible"/>
-                                      </p:to>
-                                    </p:set>
-                                  </p:childTnLst>
-                                </p:cTn>
-                              </p:par>
-                            </p:childTnLst>
-                          </p:cTn>
-                        </p:par>
-                      </p:childTnLst>
-                    </p:cTn>
-                  </p:par>
-                </p:childTnLst>
-              </p:cTn>
-              <p:prevCondLst>
-                <p:cond evt="onPrev" delay="0">
-                  <p:tgtEl>
-                    <p:sldTgt/>
-                  </p:tgtEl>
-                </p:cond>
-              </p:prevCondLst>
-              <p:nextCondLst>
-                <p:cond evt="onNext" delay="0">
-                  <p:tgtEl>
-                    <p:sldTgt/>
-                  </p:tgtEl>
-                </p:cond>
-              </p:nextCondLst>
-            </p:seq>
-          </p:childTnLst>
-        </p:cTn>
-      </p:par>
-    </p:tnLst>
-  </p:timing>
-</p:sld>
-</file>
-
 <file path=ppt/theme/theme1.xml><?xml version="1.0" encoding="utf-8"?>
 <a:theme xmlns:a="http://schemas.openxmlformats.org/drawingml/2006/main" name="SavonVTI">
   <a:themeElements>
@@ -10415,6 +12099,301 @@
 </a:theme>
 </file>
 
+<file path=ppt/theme/theme2.xml><?xml version="1.0" encoding="utf-8"?>
+<a:theme xmlns:a="http://schemas.openxmlformats.org/drawingml/2006/main" name="Office Theme">
+  <a:themeElements>
+    <a:clrScheme name="Office">
+      <a:dk1>
+        <a:sysClr val="windowText" lastClr="000000"/>
+      </a:dk1>
+      <a:lt1>
+        <a:sysClr val="window" lastClr="FFFFFF"/>
+      </a:lt1>
+      <a:dk2>
+        <a:srgbClr val="44546A"/>
+      </a:dk2>
+      <a:lt2>
+        <a:srgbClr val="E7E6E6"/>
+      </a:lt2>
+      <a:accent1>
+        <a:srgbClr val="4472C4"/>
+      </a:accent1>
+      <a:accent2>
+        <a:srgbClr val="ED7D31"/>
+      </a:accent2>
+      <a:accent3>
+        <a:srgbClr val="A5A5A5"/>
+      </a:accent3>
+      <a:accent4>
+        <a:srgbClr val="FFC000"/>
+      </a:accent4>
+      <a:accent5>
+        <a:srgbClr val="5B9BD5"/>
+      </a:accent5>
+      <a:accent6>
+        <a:srgbClr val="70AD47"/>
+      </a:accent6>
+      <a:hlink>
+        <a:srgbClr val="0563C1"/>
+      </a:hlink>
+      <a:folHlink>
+        <a:srgbClr val="954F72"/>
+      </a:folHlink>
+    </a:clrScheme>
+    <a:fontScheme name="Office">
+      <a:majorFont>
+        <a:latin typeface="Calibri Light" panose="020F0302020204030204"/>
+        <a:ea typeface=""/>
+        <a:cs typeface=""/>
+        <a:font script="Jpan" typeface="游ゴシック Light"/>
+        <a:font script="Hang" typeface="맑은 고딕"/>
+        <a:font script="Hans" typeface="等线 Light"/>
+        <a:font script="Hant" typeface="新細明體"/>
+        <a:font script="Arab" typeface="Times New Roman"/>
+        <a:font script="Hebr" typeface="Times New Roman"/>
+        <a:font script="Thai" typeface="Angsana New"/>
+        <a:font script="Ethi" typeface="Nyala"/>
+        <a:font script="Beng" typeface="Vrinda"/>
+        <a:font script="Gujr" typeface="Shruti"/>
+        <a:font script="Khmr" typeface="MoolBoran"/>
+        <a:font script="Knda" typeface="Tunga"/>
+        <a:font script="Guru" typeface="Raavi"/>
+        <a:font script="Cans" typeface="Euphemia"/>
+        <a:font script="Cher" typeface="Plantagenet Cherokee"/>
+        <a:font script="Yiii" typeface="Microsoft Yi Baiti"/>
+        <a:font script="Tibt" typeface="Microsoft Himalaya"/>
+        <a:font script="Thaa" typeface="MV Boli"/>
+        <a:font script="Deva" typeface="Mangal"/>
+        <a:font script="Telu" typeface="Gautami"/>
+        <a:font script="Taml" typeface="Latha"/>
+        <a:font script="Syrc" typeface="Estrangelo Edessa"/>
+        <a:font script="Orya" typeface="Kalinga"/>
+        <a:font script="Mlym" typeface="Kartika"/>
+        <a:font script="Laoo" typeface="DokChampa"/>
+        <a:font script="Sinh" typeface="Iskoola Pota"/>
+        <a:font script="Mong" typeface="Mongolian Baiti"/>
+        <a:font script="Viet" typeface="Times New Roman"/>
+        <a:font script="Uigh" typeface="Microsoft Uighur"/>
+        <a:font script="Geor" typeface="Sylfaen"/>
+        <a:font script="Armn" typeface="Arial"/>
+        <a:font script="Bugi" typeface="Leelawadee UI"/>
+        <a:font script="Bopo" typeface="Microsoft JhengHei"/>
+        <a:font script="Java" typeface="Javanese Text"/>
+        <a:font script="Lisu" typeface="Segoe UI"/>
+        <a:font script="Mymr" typeface="Myanmar Text"/>
+        <a:font script="Nkoo" typeface="Ebrima"/>
+        <a:font script="Olck" typeface="Nirmala UI"/>
+        <a:font script="Osma" typeface="Ebrima"/>
+        <a:font script="Phag" typeface="Phagspa"/>
+        <a:font script="Syrn" typeface="Estrangelo Edessa"/>
+        <a:font script="Syrj" typeface="Estrangelo Edessa"/>
+        <a:font script="Syre" typeface="Estrangelo Edessa"/>
+        <a:font script="Sora" typeface="Nirmala UI"/>
+        <a:font script="Tale" typeface="Microsoft Tai Le"/>
+        <a:font script="Talu" typeface="Microsoft New Tai Lue"/>
+        <a:font script="Tfng" typeface="Ebrima"/>
+      </a:majorFont>
+      <a:minorFont>
+        <a:latin typeface="Calibri" panose="020F0502020204030204"/>
+        <a:ea typeface=""/>
+        <a:cs typeface=""/>
+        <a:font script="Jpan" typeface="游ゴシック"/>
+        <a:font script="Hang" typeface="맑은 고딕"/>
+        <a:font script="Hans" typeface="等线"/>
+        <a:font script="Hant" typeface="新細明體"/>
+        <a:font script="Arab" typeface="Arial"/>
+        <a:font script="Hebr" typeface="Arial"/>
+        <a:font script="Thai" typeface="Cordia New"/>
+        <a:font script="Ethi" typeface="Nyala"/>
+        <a:font script="Beng" typeface="Vrinda"/>
+        <a:font script="Gujr" typeface="Shruti"/>
+        <a:font script="Khmr" typeface="DaunPenh"/>
+        <a:font script="Knda" typeface="Tunga"/>
+        <a:font script="Guru" typeface="Raavi"/>
+        <a:font script="Cans" typeface="Euphemia"/>
+        <a:font script="Cher" typeface="Plantagenet Cherokee"/>
+        <a:font script="Yiii" typeface="Microsoft Yi Baiti"/>
+        <a:font script="Tibt" typeface="Microsoft Himalaya"/>
+        <a:font script="Thaa" typeface="MV Boli"/>
+        <a:font script="Deva" typeface="Mangal"/>
+        <a:font script="Telu" typeface="Gautami"/>
+        <a:font script="Taml" typeface="Latha"/>
+        <a:font script="Syrc" typeface="Estrangelo Edessa"/>
+        <a:font script="Orya" typeface="Kalinga"/>
+        <a:font script="Mlym" typeface="Kartika"/>
+        <a:font script="Laoo" typeface="DokChampa"/>
+        <a:font script="Sinh" typeface="Iskoola Pota"/>
+        <a:font script="Mong" typeface="Mongolian Baiti"/>
+        <a:font script="Viet" typeface="Arial"/>
+        <a:font script="Uigh" typeface="Microsoft Uighur"/>
+        <a:font script="Geor" typeface="Sylfaen"/>
+        <a:font script="Armn" typeface="Arial"/>
+        <a:font script="Bugi" typeface="Leelawadee UI"/>
+        <a:font script="Bopo" typeface="Microsoft JhengHei"/>
+        <a:font script="Java" typeface="Javanese Text"/>
+        <a:font script="Lisu" typeface="Segoe UI"/>
+        <a:font script="Mymr" typeface="Myanmar Text"/>
+        <a:font script="Nkoo" typeface="Ebrima"/>
+        <a:font script="Olck" typeface="Nirmala UI"/>
+        <a:font script="Osma" typeface="Ebrima"/>
+        <a:font script="Phag" typeface="Phagspa"/>
+        <a:font script="Syrn" typeface="Estrangelo Edessa"/>
+        <a:font script="Syrj" typeface="Estrangelo Edessa"/>
+        <a:font script="Syre" typeface="Estrangelo Edessa"/>
+        <a:font script="Sora" typeface="Nirmala UI"/>
+        <a:font script="Tale" typeface="Microsoft Tai Le"/>
+        <a:font script="Talu" typeface="Microsoft New Tai Lue"/>
+        <a:font script="Tfng" typeface="Ebrima"/>
+      </a:minorFont>
+    </a:fontScheme>
+    <a:fmtScheme name="Office">
+      <a:fillStyleLst>
+        <a:solidFill>
+          <a:schemeClr val="phClr"/>
+        </a:solidFill>
+        <a:gradFill rotWithShape="1">
+          <a:gsLst>
+            <a:gs pos="0">
+              <a:schemeClr val="phClr">
+                <a:lumMod val="110000"/>
+                <a:satMod val="105000"/>
+                <a:tint val="67000"/>
+              </a:schemeClr>
+            </a:gs>
+            <a:gs pos="50000">
+              <a:schemeClr val="phClr">
+                <a:lumMod val="105000"/>
+                <a:satMod val="103000"/>
+                <a:tint val="73000"/>
+              </a:schemeClr>
+            </a:gs>
+            <a:gs pos="100000">
+              <a:schemeClr val="phClr">
+                <a:lumMod val="105000"/>
+                <a:satMod val="109000"/>
+                <a:tint val="81000"/>
+              </a:schemeClr>
+            </a:gs>
+          </a:gsLst>
+          <a:lin ang="5400000" scaled="0"/>
+        </a:gradFill>
+        <a:gradFill rotWithShape="1">
+          <a:gsLst>
+            <a:gs pos="0">
+              <a:schemeClr val="phClr">
+                <a:satMod val="103000"/>
+                <a:lumMod val="102000"/>
+                <a:tint val="94000"/>
+              </a:schemeClr>
+            </a:gs>
+            <a:gs pos="50000">
+              <a:schemeClr val="phClr">
+                <a:satMod val="110000"/>
+                <a:lumMod val="100000"/>
+                <a:shade val="100000"/>
+              </a:schemeClr>
+            </a:gs>
+            <a:gs pos="100000">
+              <a:schemeClr val="phClr">
+                <a:lumMod val="99000"/>
+                <a:satMod val="120000"/>
+                <a:shade val="78000"/>
+              </a:schemeClr>
+            </a:gs>
+          </a:gsLst>
+          <a:lin ang="5400000" scaled="0"/>
+        </a:gradFill>
+      </a:fillStyleLst>
+      <a:lnStyleLst>
+        <a:ln w="6350" cap="flat" cmpd="sng" algn="ctr">
+          <a:solidFill>
+            <a:schemeClr val="phClr"/>
+          </a:solidFill>
+          <a:prstDash val="solid"/>
+          <a:miter lim="800000"/>
+        </a:ln>
+        <a:ln w="12700" cap="flat" cmpd="sng" algn="ctr">
+          <a:solidFill>
+            <a:schemeClr val="phClr"/>
+          </a:solidFill>
+          <a:prstDash val="solid"/>
+          <a:miter lim="800000"/>
+        </a:ln>
+        <a:ln w="19050" cap="flat" cmpd="sng" algn="ctr">
+          <a:solidFill>
+            <a:schemeClr val="phClr"/>
+          </a:solidFill>
+          <a:prstDash val="solid"/>
+          <a:miter lim="800000"/>
+        </a:ln>
+      </a:lnStyleLst>
+      <a:effectStyleLst>
+        <a:effectStyle>
+          <a:effectLst/>
+        </a:effectStyle>
+        <a:effectStyle>
+          <a:effectLst/>
+        </a:effectStyle>
+        <a:effectStyle>
+          <a:effectLst>
+            <a:outerShdw blurRad="57150" dist="19050" dir="5400000" algn="ctr" rotWithShape="0">
+              <a:srgbClr val="000000">
+                <a:alpha val="63000"/>
+              </a:srgbClr>
+            </a:outerShdw>
+          </a:effectLst>
+        </a:effectStyle>
+      </a:effectStyleLst>
+      <a:bgFillStyleLst>
+        <a:solidFill>
+          <a:schemeClr val="phClr"/>
+        </a:solidFill>
+        <a:solidFill>
+          <a:schemeClr val="phClr">
+            <a:tint val="95000"/>
+            <a:satMod val="170000"/>
+          </a:schemeClr>
+        </a:solidFill>
+        <a:gradFill rotWithShape="1">
+          <a:gsLst>
+            <a:gs pos="0">
+              <a:schemeClr val="phClr">
+                <a:tint val="93000"/>
+                <a:satMod val="150000"/>
+                <a:shade val="98000"/>
+                <a:lumMod val="102000"/>
+              </a:schemeClr>
+            </a:gs>
+            <a:gs pos="50000">
+              <a:schemeClr val="phClr">
+                <a:tint val="98000"/>
+                <a:satMod val="130000"/>
+                <a:shade val="90000"/>
+                <a:lumMod val="103000"/>
+              </a:schemeClr>
+            </a:gs>
+            <a:gs pos="100000">
+              <a:schemeClr val="phClr">
+                <a:shade val="63000"/>
+                <a:satMod val="120000"/>
+              </a:schemeClr>
+            </a:gs>
+          </a:gsLst>
+          <a:lin ang="5400000" scaled="0"/>
+        </a:gradFill>
+      </a:bgFillStyleLst>
+    </a:fmtScheme>
+  </a:themeElements>
+  <a:objectDefaults/>
+  <a:extraClrSchemeLst/>
+  <a:extLst>
+    <a:ext uri="{05A4C25C-085E-4340-85A3-A5531E510DB2}">
+      <thm15:themeFamily xmlns:thm15="http://schemas.microsoft.com/office/thememl/2012/main" name="Office Theme" id="{62F939B6-93AF-4DB8-9C6B-D6C7DFDC589F}" vid="{4A3C46E8-61CC-4603-A589-7422A47A8E4A}"/>
+    </a:ext>
+  </a:extLst>
+</a:theme>
+</file>
+
 <file path=customXml/item1.xml><?xml version="1.0" encoding="utf-8"?>
 <p:properties xmlns:p="http://schemas.microsoft.com/office/2006/metadata/properties" xmlns:xsi="http://www.w3.org/2001/XMLSchema-instance" xmlns:pc="http://schemas.microsoft.com/office/infopath/2007/PartnerControls">
   <documentManagement>
@@ -10425,15 +12404,6 @@
 </file>
 
 <file path=customXml/item2.xml><?xml version="1.0" encoding="utf-8"?>
-<?mso-contentType ?>
-<FormTemplates xmlns="http://schemas.microsoft.com/sharepoint/v3/contenttype/forms">
-  <Display>DocumentLibraryForm</Display>
-  <Edit>DocumentLibraryForm</Edit>
-  <New>DocumentLibraryForm</New>
-</FormTemplates>
-</file>
-
-<file path=customXml/item3.xml><?xml version="1.0" encoding="utf-8"?>
 <ct:contentTypeSchema xmlns:ct="http://schemas.microsoft.com/office/2006/metadata/contentType" xmlns:ma="http://schemas.microsoft.com/office/2006/metadata/properties/metaAttributes" ct:_="" ma:_="" ma:contentTypeName="Document" ma:contentTypeID="0x01010079F111ED35F8CC479449609E8A0923A6" ma:contentTypeVersion="12" ma:contentTypeDescription="Create a new document." ma:contentTypeScope="" ma:versionID="a410dd7f93c95333ffa1b60ed6adedd1">
   <xsd:schema xmlns:xsd="http://www.w3.org/2001/XMLSchema" xmlns:xs="http://www.w3.org/2001/XMLSchema" xmlns:p="http://schemas.microsoft.com/office/2006/metadata/properties" xmlns:ns2="71af3243-3dd4-4a8d-8c0d-dd76da1f02a5" xmlns:ns3="16c05727-aa75-4e4a-9b5f-8a80a1165891" targetNamespace="http://schemas.microsoft.com/office/2006/metadata/properties" ma:root="true" ma:fieldsID="a936d9baba76aa3866493feff160faab" ns2:_="" ns3:_="">
     <xsd:import namespace="71af3243-3dd4-4a8d-8c0d-dd76da1f02a5"/>
@@ -10654,6 +12624,15 @@
 </ct:contentTypeSchema>
 </file>
 
+<file path=customXml/item3.xml><?xml version="1.0" encoding="utf-8"?>
+<?mso-contentType ?>
+<FormTemplates xmlns="http://schemas.microsoft.com/sharepoint/v3/contenttype/forms">
+  <Display>DocumentLibraryForm</Display>
+  <Edit>DocumentLibraryForm</Edit>
+  <New>DocumentLibraryForm</New>
+</FormTemplates>
+</file>
+
 <file path=customXml/itemProps1.xml><?xml version="1.0" encoding="utf-8"?>
 <ds:datastoreItem xmlns:ds="http://schemas.openxmlformats.org/officeDocument/2006/customXml" ds:itemID="{137651BA-F45C-4845-9AB3-E0A65B39F5E1}">
   <ds:schemaRefs>
@@ -10665,14 +12644,6 @@
 </file>
 
 <file path=customXml/itemProps2.xml><?xml version="1.0" encoding="utf-8"?>
-<ds:datastoreItem xmlns:ds="http://schemas.openxmlformats.org/officeDocument/2006/customXml" ds:itemID="{CDB58277-F8DF-46FF-84EC-EF41B835E69F}">
-  <ds:schemaRefs>
-    <ds:schemaRef ds:uri="http://schemas.microsoft.com/sharepoint/v3/contenttype/forms"/>
-  </ds:schemaRefs>
-</ds:datastoreItem>
-</file>
-
-<file path=customXml/itemProps3.xml><?xml version="1.0" encoding="utf-8"?>
 <ds:datastoreItem xmlns:ds="http://schemas.openxmlformats.org/officeDocument/2006/customXml" ds:itemID="{2D276E62-80A3-44DD-9BCC-97ED2B99B57F}">
   <ds:schemaRefs>
     <ds:schemaRef ds:uri="http://schemas.microsoft.com/office/2006/metadata/contentType"/>
@@ -10689,4 +12660,12 @@
     <ds:schemaRef ds:uri="http://schemas.microsoft.com/internal/obd"/>
   </ds:schemaRefs>
 </ds:datastoreItem>
+</file>
+
+<file path=customXml/itemProps3.xml><?xml version="1.0" encoding="utf-8"?>
+<ds:datastoreItem xmlns:ds="http://schemas.openxmlformats.org/officeDocument/2006/customXml" ds:itemID="{CDB58277-F8DF-46FF-84EC-EF41B835E69F}">
+  <ds:schemaRefs>
+    <ds:schemaRef ds:uri="http://schemas.microsoft.com/sharepoint/v3/contenttype/forms"/>
+  </ds:schemaRefs>
+</ds:datastoreItem>
 </file>